--- a/Slides/Module 8 - Web Services and WCF.pptx
+++ b/Slides/Module 8 - Web Services and WCF.pptx
@@ -3,48 +3,49 @@
 <p:presentation xmlns:a="http://schemas.openxmlformats.org/drawingml/2006/main" xmlns:r="http://schemas.openxmlformats.org/officeDocument/2006/relationships" xmlns:p="http://schemas.openxmlformats.org/presentationml/2006/main" saveSubsetFonts="1">
   <p:sldMasterIdLst>
     <p:sldMasterId id="2147483864" r:id="rId2"/>
+    <p:sldMasterId id="2147483877" r:id="rId3"/>
   </p:sldMasterIdLst>
   <p:notesMasterIdLst>
-    <p:notesMasterId r:id="rId37"/>
+    <p:notesMasterId r:id="rId38"/>
   </p:notesMasterIdLst>
   <p:handoutMasterIdLst>
-    <p:handoutMasterId r:id="rId38"/>
+    <p:handoutMasterId r:id="rId39"/>
   </p:handoutMasterIdLst>
   <p:sldIdLst>
-    <p:sldId id="466" r:id="rId3"/>
-    <p:sldId id="276" r:id="rId4"/>
-    <p:sldId id="432" r:id="rId5"/>
-    <p:sldId id="453" r:id="rId6"/>
-    <p:sldId id="438" r:id="rId7"/>
-    <p:sldId id="439" r:id="rId8"/>
-    <p:sldId id="433" r:id="rId9"/>
-    <p:sldId id="476" r:id="rId10"/>
-    <p:sldId id="445" r:id="rId11"/>
-    <p:sldId id="373" r:id="rId12"/>
-    <p:sldId id="440" r:id="rId13"/>
-    <p:sldId id="474" r:id="rId14"/>
-    <p:sldId id="387" r:id="rId15"/>
-    <p:sldId id="389" r:id="rId16"/>
-    <p:sldId id="392" r:id="rId17"/>
-    <p:sldId id="448" r:id="rId18"/>
-    <p:sldId id="454" r:id="rId19"/>
-    <p:sldId id="423" r:id="rId20"/>
-    <p:sldId id="424" r:id="rId21"/>
-    <p:sldId id="425" r:id="rId22"/>
-    <p:sldId id="426" r:id="rId23"/>
-    <p:sldId id="475" r:id="rId24"/>
-    <p:sldId id="455" r:id="rId25"/>
-    <p:sldId id="456" r:id="rId26"/>
-    <p:sldId id="457" r:id="rId27"/>
-    <p:sldId id="458" r:id="rId28"/>
-    <p:sldId id="459" r:id="rId29"/>
-    <p:sldId id="460" r:id="rId30"/>
-    <p:sldId id="464" r:id="rId31"/>
-    <p:sldId id="465" r:id="rId32"/>
-    <p:sldId id="446" r:id="rId33"/>
-    <p:sldId id="471" r:id="rId34"/>
-    <p:sldId id="472" r:id="rId35"/>
-    <p:sldId id="473" r:id="rId36"/>
+    <p:sldId id="466" r:id="rId4"/>
+    <p:sldId id="276" r:id="rId5"/>
+    <p:sldId id="432" r:id="rId6"/>
+    <p:sldId id="453" r:id="rId7"/>
+    <p:sldId id="438" r:id="rId8"/>
+    <p:sldId id="439" r:id="rId9"/>
+    <p:sldId id="433" r:id="rId10"/>
+    <p:sldId id="476" r:id="rId11"/>
+    <p:sldId id="445" r:id="rId12"/>
+    <p:sldId id="373" r:id="rId13"/>
+    <p:sldId id="440" r:id="rId14"/>
+    <p:sldId id="474" r:id="rId15"/>
+    <p:sldId id="387" r:id="rId16"/>
+    <p:sldId id="389" r:id="rId17"/>
+    <p:sldId id="392" r:id="rId18"/>
+    <p:sldId id="448" r:id="rId19"/>
+    <p:sldId id="454" r:id="rId20"/>
+    <p:sldId id="423" r:id="rId21"/>
+    <p:sldId id="424" r:id="rId22"/>
+    <p:sldId id="425" r:id="rId23"/>
+    <p:sldId id="426" r:id="rId24"/>
+    <p:sldId id="475" r:id="rId25"/>
+    <p:sldId id="455" r:id="rId26"/>
+    <p:sldId id="456" r:id="rId27"/>
+    <p:sldId id="457" r:id="rId28"/>
+    <p:sldId id="458" r:id="rId29"/>
+    <p:sldId id="459" r:id="rId30"/>
+    <p:sldId id="460" r:id="rId31"/>
+    <p:sldId id="464" r:id="rId32"/>
+    <p:sldId id="465" r:id="rId33"/>
+    <p:sldId id="446" r:id="rId34"/>
+    <p:sldId id="471" r:id="rId35"/>
+    <p:sldId id="472" r:id="rId36"/>
+    <p:sldId id="473" r:id="rId37"/>
   </p:sldIdLst>
   <p:sldSz cx="9144000" cy="6858000" type="screen4x3"/>
   <p:notesSz cx="6858000" cy="9144000"/>
@@ -3128,8 +3129,8 @@
       </dsp:nvSpPr>
       <dsp:spPr>
         <a:xfrm rot="5400000">
-          <a:off x="4802041" y="-1820475"/>
-          <a:ext cx="1121829" cy="5047488"/>
+          <a:off x="5086262" y="-1928263"/>
+          <a:ext cx="1188132" cy="5346192"/>
         </a:xfrm>
         <a:prstGeom prst="round2SameRect">
           <a:avLst/>
@@ -3138,36 +3139,41 @@
           <a:gsLst>
             <a:gs pos="0">
               <a:schemeClr val="accent5">
-                <a:lumMod val="110000"/>
-                <a:satMod val="105000"/>
-                <a:tint val="67000"/>
+                <a:tint val="50000"/>
+                <a:satMod val="300000"/>
               </a:schemeClr>
             </a:gs>
-            <a:gs pos="50000">
+            <a:gs pos="35000">
               <a:schemeClr val="accent5">
-                <a:lumMod val="105000"/>
-                <a:satMod val="103000"/>
-                <a:tint val="73000"/>
+                <a:tint val="37000"/>
+                <a:satMod val="300000"/>
               </a:schemeClr>
             </a:gs>
             <a:gs pos="100000">
               <a:schemeClr val="accent5">
-                <a:lumMod val="105000"/>
-                <a:satMod val="109000"/>
-                <a:tint val="81000"/>
+                <a:tint val="15000"/>
+                <a:satMod val="350000"/>
               </a:schemeClr>
             </a:gs>
           </a:gsLst>
-          <a:lin ang="5400000" scaled="0"/>
+          <a:lin ang="16200000" scaled="1"/>
         </a:gradFill>
-        <a:ln w="6350" cap="flat" cmpd="sng" algn="ctr">
+        <a:ln w="9525" cap="flat" cmpd="sng" algn="ctr">
           <a:solidFill>
-            <a:schemeClr val="accent5"/>
+            <a:schemeClr val="accent5">
+              <a:shade val="95000"/>
+              <a:satMod val="105000"/>
+            </a:schemeClr>
           </a:solidFill>
           <a:prstDash val="solid"/>
-          <a:miter lim="800000"/>
         </a:ln>
-        <a:effectLst/>
+        <a:effectLst>
+          <a:outerShdw blurRad="40000" dist="20000" dir="5400000" rotWithShape="0">
+            <a:srgbClr val="000000">
+              <a:alpha val="38000"/>
+            </a:srgbClr>
+          </a:outerShdw>
+        </a:effectLst>
         <a:scene3d>
           <a:camera prst="orthographicFront"/>
           <a:lightRig rig="flat" dir="t"/>
@@ -3213,8 +3219,8 @@
         </a:p>
       </dsp:txBody>
       <dsp:txXfrm rot="-5400000">
-        <a:off x="2839212" y="197117"/>
-        <a:ext cx="4992725" cy="1012303"/>
+        <a:off x="3007232" y="208767"/>
+        <a:ext cx="5288192" cy="1072132"/>
       </dsp:txXfrm>
     </dsp:sp>
     <dsp:sp modelId="{8E74A7B7-B42D-4722-8BDB-8FD5F13C2C90}">
@@ -3224,8 +3230,8 @@
       </dsp:nvSpPr>
       <dsp:spPr>
         <a:xfrm>
-          <a:off x="0" y="2124"/>
-          <a:ext cx="2839212" cy="1402286"/>
+          <a:off x="0" y="2250"/>
+          <a:ext cx="3007233" cy="1485165"/>
         </a:xfrm>
         <a:prstGeom prst="roundRect">
           <a:avLst/>
@@ -3234,36 +3240,41 @@
           <a:gsLst>
             <a:gs pos="0">
               <a:schemeClr val="accent1">
-                <a:lumMod val="110000"/>
-                <a:satMod val="105000"/>
-                <a:tint val="67000"/>
+                <a:tint val="50000"/>
+                <a:satMod val="300000"/>
               </a:schemeClr>
             </a:gs>
-            <a:gs pos="50000">
+            <a:gs pos="35000">
               <a:schemeClr val="accent1">
-                <a:lumMod val="105000"/>
-                <a:satMod val="103000"/>
-                <a:tint val="73000"/>
+                <a:tint val="37000"/>
+                <a:satMod val="300000"/>
               </a:schemeClr>
             </a:gs>
             <a:gs pos="100000">
               <a:schemeClr val="accent1">
-                <a:lumMod val="105000"/>
-                <a:satMod val="109000"/>
-                <a:tint val="81000"/>
+                <a:tint val="15000"/>
+                <a:satMod val="350000"/>
               </a:schemeClr>
             </a:gs>
           </a:gsLst>
-          <a:lin ang="5400000" scaled="0"/>
+          <a:lin ang="16200000" scaled="1"/>
         </a:gradFill>
-        <a:ln w="6350" cap="flat" cmpd="sng" algn="ctr">
+        <a:ln w="9525" cap="flat" cmpd="sng" algn="ctr">
           <a:solidFill>
-            <a:schemeClr val="accent1"/>
+            <a:schemeClr val="accent1">
+              <a:shade val="95000"/>
+              <a:satMod val="105000"/>
+            </a:schemeClr>
           </a:solidFill>
           <a:prstDash val="solid"/>
-          <a:miter lim="800000"/>
         </a:ln>
-        <a:effectLst/>
+        <a:effectLst>
+          <a:outerShdw blurRad="40000" dist="20000" dir="5400000" rotWithShape="0">
+            <a:srgbClr val="000000">
+              <a:alpha val="38000"/>
+            </a:srgbClr>
+          </a:outerShdw>
+        </a:effectLst>
         <a:scene3d>
           <a:camera prst="orthographicFront"/>
           <a:lightRig rig="flat" dir="t"/>
@@ -3285,12 +3296,12 @@
         </a:fontRef>
       </dsp:style>
       <dsp:txBody>
-        <a:bodyPr spcFirstLastPara="0" vert="horz" wrap="square" lIns="76200" tIns="38100" rIns="76200" bIns="38100" numCol="1" spcCol="1270" anchor="ctr" anchorCtr="0">
+        <a:bodyPr spcFirstLastPara="0" vert="horz" wrap="square" lIns="72390" tIns="36195" rIns="72390" bIns="36195" numCol="1" spcCol="1270" anchor="ctr" anchorCtr="0">
           <a:noAutofit/>
         </a:bodyPr>
         <a:lstStyle/>
         <a:p>
-          <a:pPr marL="0" lvl="0" indent="0" algn="ctr" defTabSz="889000" rtl="0">
+          <a:pPr marL="0" lvl="0" indent="0" algn="ctr" defTabSz="844550" rtl="0">
             <a:lnSpc>
               <a:spcPct val="90000"/>
             </a:lnSpc>
@@ -3303,14 +3314,14 @@
             <a:buNone/>
           </a:pPr>
           <a:r>
-            <a:rPr lang="en-US" sz="2000" kern="1200" dirty="0"/>
+            <a:rPr lang="en-US" sz="1900" kern="1200" dirty="0"/>
             <a:t>*.svc file</a:t>
           </a:r>
         </a:p>
       </dsp:txBody>
       <dsp:txXfrm>
-        <a:off x="68454" y="70578"/>
-        <a:ext cx="2702304" cy="1265378"/>
+        <a:off x="72500" y="74750"/>
+        <a:ext cx="2862233" cy="1340165"/>
       </dsp:txXfrm>
     </dsp:sp>
     <dsp:sp modelId="{F75EBD36-BF4E-441A-9487-2CCC5A41A75F}">
@@ -3320,8 +3331,8 @@
       </dsp:nvSpPr>
       <dsp:spPr>
         <a:xfrm rot="5400000">
-          <a:off x="4802041" y="-348074"/>
-          <a:ext cx="1121829" cy="5047488"/>
+          <a:off x="5086262" y="-368840"/>
+          <a:ext cx="1188132" cy="5346192"/>
         </a:xfrm>
         <a:prstGeom prst="round2SameRect">
           <a:avLst/>
@@ -3330,36 +3341,41 @@
           <a:gsLst>
             <a:gs pos="0">
               <a:schemeClr val="accent5">
-                <a:lumMod val="110000"/>
-                <a:satMod val="105000"/>
-                <a:tint val="67000"/>
+                <a:tint val="50000"/>
+                <a:satMod val="300000"/>
               </a:schemeClr>
             </a:gs>
-            <a:gs pos="50000">
+            <a:gs pos="35000">
               <a:schemeClr val="accent5">
-                <a:lumMod val="105000"/>
-                <a:satMod val="103000"/>
-                <a:tint val="73000"/>
+                <a:tint val="37000"/>
+                <a:satMod val="300000"/>
               </a:schemeClr>
             </a:gs>
             <a:gs pos="100000">
               <a:schemeClr val="accent5">
-                <a:lumMod val="105000"/>
-                <a:satMod val="109000"/>
-                <a:tint val="81000"/>
+                <a:tint val="15000"/>
+                <a:satMod val="350000"/>
               </a:schemeClr>
             </a:gs>
           </a:gsLst>
-          <a:lin ang="5400000" scaled="0"/>
+          <a:lin ang="16200000" scaled="1"/>
         </a:gradFill>
-        <a:ln w="6350" cap="flat" cmpd="sng" algn="ctr">
+        <a:ln w="9525" cap="flat" cmpd="sng" algn="ctr">
           <a:solidFill>
-            <a:schemeClr val="accent5"/>
+            <a:schemeClr val="accent5">
+              <a:shade val="95000"/>
+              <a:satMod val="105000"/>
+            </a:schemeClr>
           </a:solidFill>
           <a:prstDash val="solid"/>
-          <a:miter lim="800000"/>
         </a:ln>
-        <a:effectLst/>
+        <a:effectLst>
+          <a:outerShdw blurRad="40000" dist="20000" dir="5400000" rotWithShape="0">
+            <a:srgbClr val="000000">
+              <a:alpha val="38000"/>
+            </a:srgbClr>
+          </a:outerShdw>
+        </a:effectLst>
         <a:scene3d>
           <a:camera prst="orthographicFront"/>
           <a:lightRig rig="flat" dir="t"/>
@@ -3405,8 +3421,8 @@
         </a:p>
       </dsp:txBody>
       <dsp:txXfrm rot="-5400000">
-        <a:off x="2839212" y="1669518"/>
-        <a:ext cx="4992725" cy="1012303"/>
+        <a:off x="3007232" y="1768190"/>
+        <a:ext cx="5288192" cy="1072132"/>
       </dsp:txXfrm>
     </dsp:sp>
     <dsp:sp modelId="{F8C2F57A-1C9D-4190-B26C-402600D18DC5}">
@@ -3416,8 +3432,8 @@
       </dsp:nvSpPr>
       <dsp:spPr>
         <a:xfrm>
-          <a:off x="0" y="1474525"/>
-          <a:ext cx="2839212" cy="1402286"/>
+          <a:off x="0" y="1561673"/>
+          <a:ext cx="3007233" cy="1485165"/>
         </a:xfrm>
         <a:prstGeom prst="roundRect">
           <a:avLst/>
@@ -3426,36 +3442,41 @@
           <a:gsLst>
             <a:gs pos="0">
               <a:schemeClr val="accent1">
-                <a:lumMod val="110000"/>
-                <a:satMod val="105000"/>
-                <a:tint val="67000"/>
+                <a:tint val="50000"/>
+                <a:satMod val="300000"/>
               </a:schemeClr>
             </a:gs>
-            <a:gs pos="50000">
+            <a:gs pos="35000">
               <a:schemeClr val="accent1">
-                <a:lumMod val="105000"/>
-                <a:satMod val="103000"/>
-                <a:tint val="73000"/>
+                <a:tint val="37000"/>
+                <a:satMod val="300000"/>
               </a:schemeClr>
             </a:gs>
             <a:gs pos="100000">
               <a:schemeClr val="accent1">
-                <a:lumMod val="105000"/>
-                <a:satMod val="109000"/>
-                <a:tint val="81000"/>
+                <a:tint val="15000"/>
+                <a:satMod val="350000"/>
               </a:schemeClr>
             </a:gs>
           </a:gsLst>
-          <a:lin ang="5400000" scaled="0"/>
+          <a:lin ang="16200000" scaled="1"/>
         </a:gradFill>
-        <a:ln w="6350" cap="flat" cmpd="sng" algn="ctr">
+        <a:ln w="9525" cap="flat" cmpd="sng" algn="ctr">
           <a:solidFill>
-            <a:schemeClr val="accent1"/>
+            <a:schemeClr val="accent1">
+              <a:shade val="95000"/>
+              <a:satMod val="105000"/>
+            </a:schemeClr>
           </a:solidFill>
           <a:prstDash val="solid"/>
-          <a:miter lim="800000"/>
         </a:ln>
-        <a:effectLst/>
+        <a:effectLst>
+          <a:outerShdw blurRad="40000" dist="20000" dir="5400000" rotWithShape="0">
+            <a:srgbClr val="000000">
+              <a:alpha val="38000"/>
+            </a:srgbClr>
+          </a:outerShdw>
+        </a:effectLst>
         <a:scene3d>
           <a:camera prst="orthographicFront"/>
           <a:lightRig rig="flat" dir="t"/>
@@ -3477,12 +3498,12 @@
         </a:fontRef>
       </dsp:style>
       <dsp:txBody>
-        <a:bodyPr spcFirstLastPara="0" vert="horz" wrap="square" lIns="76200" tIns="38100" rIns="76200" bIns="38100" numCol="1" spcCol="1270" anchor="ctr" anchorCtr="0">
+        <a:bodyPr spcFirstLastPara="0" vert="horz" wrap="square" lIns="72390" tIns="36195" rIns="72390" bIns="36195" numCol="1" spcCol="1270" anchor="ctr" anchorCtr="0">
           <a:noAutofit/>
         </a:bodyPr>
         <a:lstStyle/>
         <a:p>
-          <a:pPr marL="0" lvl="0" indent="0" algn="ctr" defTabSz="889000" rtl="0">
+          <a:pPr marL="0" lvl="0" indent="0" algn="ctr" defTabSz="844550" rtl="0">
             <a:lnSpc>
               <a:spcPct val="90000"/>
             </a:lnSpc>
@@ -3495,14 +3516,14 @@
             <a:buNone/>
           </a:pPr>
           <a:r>
-            <a:rPr lang="en-US" sz="2000" kern="1200" dirty="0"/>
+            <a:rPr lang="en-US" sz="1900" kern="1200" dirty="0"/>
             <a:t>ServiceDescription.xml</a:t>
           </a:r>
         </a:p>
       </dsp:txBody>
       <dsp:txXfrm>
-        <a:off x="68454" y="1542979"/>
-        <a:ext cx="2702304" cy="1265378"/>
+        <a:off x="72500" y="1634173"/>
+        <a:ext cx="2862233" cy="1340165"/>
       </dsp:txXfrm>
     </dsp:sp>
     <dsp:sp modelId="{80AAA2CE-A993-4C2A-AB23-3156A1843819}">
@@ -3512,8 +3533,8 @@
       </dsp:nvSpPr>
       <dsp:spPr>
         <a:xfrm rot="5400000">
-          <a:off x="4802041" y="1124325"/>
-          <a:ext cx="1121829" cy="5047488"/>
+          <a:off x="5086262" y="1190583"/>
+          <a:ext cx="1188132" cy="5346192"/>
         </a:xfrm>
         <a:prstGeom prst="round2SameRect">
           <a:avLst/>
@@ -3522,36 +3543,41 @@
           <a:gsLst>
             <a:gs pos="0">
               <a:schemeClr val="accent5">
-                <a:lumMod val="110000"/>
-                <a:satMod val="105000"/>
-                <a:tint val="67000"/>
+                <a:tint val="50000"/>
+                <a:satMod val="300000"/>
               </a:schemeClr>
             </a:gs>
-            <a:gs pos="50000">
+            <a:gs pos="35000">
               <a:schemeClr val="accent5">
-                <a:lumMod val="105000"/>
-                <a:satMod val="103000"/>
-                <a:tint val="73000"/>
+                <a:tint val="37000"/>
+                <a:satMod val="300000"/>
               </a:schemeClr>
             </a:gs>
             <a:gs pos="100000">
               <a:schemeClr val="accent5">
-                <a:lumMod val="105000"/>
-                <a:satMod val="109000"/>
-                <a:tint val="81000"/>
+                <a:tint val="15000"/>
+                <a:satMod val="350000"/>
               </a:schemeClr>
             </a:gs>
           </a:gsLst>
-          <a:lin ang="5400000" scaled="0"/>
+          <a:lin ang="16200000" scaled="1"/>
         </a:gradFill>
-        <a:ln w="6350" cap="flat" cmpd="sng" algn="ctr">
+        <a:ln w="9525" cap="flat" cmpd="sng" algn="ctr">
           <a:solidFill>
-            <a:schemeClr val="accent5"/>
+            <a:schemeClr val="accent5">
+              <a:shade val="95000"/>
+              <a:satMod val="105000"/>
+            </a:schemeClr>
           </a:solidFill>
           <a:prstDash val="solid"/>
-          <a:miter lim="800000"/>
         </a:ln>
-        <a:effectLst/>
+        <a:effectLst>
+          <a:outerShdw blurRad="40000" dist="20000" dir="5400000" rotWithShape="0">
+            <a:srgbClr val="000000">
+              <a:alpha val="38000"/>
+            </a:srgbClr>
+          </a:outerShdw>
+        </a:effectLst>
         <a:scene3d>
           <a:camera prst="orthographicFront"/>
           <a:lightRig rig="flat" dir="t"/>
@@ -3597,8 +3623,8 @@
         </a:p>
       </dsp:txBody>
       <dsp:txXfrm rot="-5400000">
-        <a:off x="2839212" y="3141918"/>
-        <a:ext cx="4992725" cy="1012303"/>
+        <a:off x="3007232" y="3327613"/>
+        <a:ext cx="5288192" cy="1072132"/>
       </dsp:txXfrm>
     </dsp:sp>
     <dsp:sp modelId="{7854DA27-AA44-4BC2-8859-69D75E5F1722}">
@@ -3608,8 +3634,8 @@
       </dsp:nvSpPr>
       <dsp:spPr>
         <a:xfrm>
-          <a:off x="0" y="2946926"/>
-          <a:ext cx="2839212" cy="1402286"/>
+          <a:off x="0" y="3121096"/>
+          <a:ext cx="3007233" cy="1485165"/>
         </a:xfrm>
         <a:prstGeom prst="roundRect">
           <a:avLst/>
@@ -3618,36 +3644,41 @@
           <a:gsLst>
             <a:gs pos="0">
               <a:schemeClr val="accent1">
-                <a:lumMod val="110000"/>
-                <a:satMod val="105000"/>
-                <a:tint val="67000"/>
+                <a:tint val="50000"/>
+                <a:satMod val="300000"/>
               </a:schemeClr>
             </a:gs>
-            <a:gs pos="50000">
+            <a:gs pos="35000">
               <a:schemeClr val="accent1">
-                <a:lumMod val="105000"/>
-                <a:satMod val="103000"/>
-                <a:tint val="73000"/>
+                <a:tint val="37000"/>
+                <a:satMod val="300000"/>
               </a:schemeClr>
             </a:gs>
             <a:gs pos="100000">
               <a:schemeClr val="accent1">
-                <a:lumMod val="105000"/>
-                <a:satMod val="109000"/>
-                <a:tint val="81000"/>
+                <a:tint val="15000"/>
+                <a:satMod val="350000"/>
               </a:schemeClr>
             </a:gs>
           </a:gsLst>
-          <a:lin ang="5400000" scaled="0"/>
+          <a:lin ang="16200000" scaled="1"/>
         </a:gradFill>
-        <a:ln w="6350" cap="flat" cmpd="sng" algn="ctr">
+        <a:ln w="9525" cap="flat" cmpd="sng" algn="ctr">
           <a:solidFill>
-            <a:schemeClr val="accent1"/>
+            <a:schemeClr val="accent1">
+              <a:shade val="95000"/>
+              <a:satMod val="105000"/>
+            </a:schemeClr>
           </a:solidFill>
           <a:prstDash val="solid"/>
-          <a:miter lim="800000"/>
         </a:ln>
-        <a:effectLst/>
+        <a:effectLst>
+          <a:outerShdw blurRad="40000" dist="20000" dir="5400000" rotWithShape="0">
+            <a:srgbClr val="000000">
+              <a:alpha val="38000"/>
+            </a:srgbClr>
+          </a:outerShdw>
+        </a:effectLst>
         <a:scene3d>
           <a:camera prst="orthographicFront"/>
           <a:lightRig rig="flat" dir="t"/>
@@ -3669,12 +3700,12 @@
         </a:fontRef>
       </dsp:style>
       <dsp:txBody>
-        <a:bodyPr spcFirstLastPara="0" vert="horz" wrap="square" lIns="76200" tIns="38100" rIns="76200" bIns="38100" numCol="1" spcCol="1270" anchor="ctr" anchorCtr="0">
+        <a:bodyPr spcFirstLastPara="0" vert="horz" wrap="square" lIns="72390" tIns="36195" rIns="72390" bIns="36195" numCol="1" spcCol="1270" anchor="ctr" anchorCtr="0">
           <a:noAutofit/>
         </a:bodyPr>
         <a:lstStyle/>
         <a:p>
-          <a:pPr marL="0" lvl="0" indent="0" algn="ctr" defTabSz="889000" rtl="0">
+          <a:pPr marL="0" lvl="0" indent="0" algn="ctr" defTabSz="844550" rtl="0">
             <a:lnSpc>
               <a:spcPct val="90000"/>
             </a:lnSpc>
@@ -3687,14 +3718,14 @@
             <a:buNone/>
           </a:pPr>
           <a:r>
-            <a:rPr lang="en-US" sz="2000" kern="1200" dirty="0"/>
+            <a:rPr lang="en-US" sz="1900" kern="1200" dirty="0"/>
             <a:t>Web.config </a:t>
           </a:r>
         </a:p>
       </dsp:txBody>
       <dsp:txXfrm>
-        <a:off x="68454" y="3015380"/>
-        <a:ext cx="2702304" cy="1265378"/>
+        <a:off x="72500" y="3193596"/>
+        <a:ext cx="2862233" cy="1340165"/>
       </dsp:txXfrm>
     </dsp:sp>
   </dsp:spTree>
@@ -3726,36 +3757,41 @@
           <a:gsLst>
             <a:gs pos="0">
               <a:schemeClr val="accent5">
-                <a:lumMod val="110000"/>
-                <a:satMod val="105000"/>
-                <a:tint val="67000"/>
+                <a:tint val="50000"/>
+                <a:satMod val="300000"/>
               </a:schemeClr>
             </a:gs>
-            <a:gs pos="50000">
+            <a:gs pos="35000">
               <a:schemeClr val="accent5">
-                <a:lumMod val="105000"/>
-                <a:satMod val="103000"/>
-                <a:tint val="73000"/>
+                <a:tint val="37000"/>
+                <a:satMod val="300000"/>
               </a:schemeClr>
             </a:gs>
             <a:gs pos="100000">
               <a:schemeClr val="accent5">
-                <a:lumMod val="105000"/>
-                <a:satMod val="109000"/>
-                <a:tint val="81000"/>
+                <a:tint val="15000"/>
+                <a:satMod val="350000"/>
               </a:schemeClr>
             </a:gs>
           </a:gsLst>
-          <a:lin ang="5400000" scaled="0"/>
+          <a:lin ang="16200000" scaled="1"/>
         </a:gradFill>
-        <a:ln w="6350" cap="flat" cmpd="sng" algn="ctr">
+        <a:ln w="9525" cap="flat" cmpd="sng" algn="ctr">
           <a:solidFill>
-            <a:schemeClr val="accent5"/>
+            <a:schemeClr val="accent5">
+              <a:shade val="95000"/>
+              <a:satMod val="105000"/>
+            </a:schemeClr>
           </a:solidFill>
           <a:prstDash val="solid"/>
-          <a:miter lim="800000"/>
         </a:ln>
-        <a:effectLst/>
+        <a:effectLst>
+          <a:outerShdw blurRad="40000" dist="20000" dir="5400000" rotWithShape="0">
+            <a:srgbClr val="000000">
+              <a:alpha val="38000"/>
+            </a:srgbClr>
+          </a:outerShdw>
+        </a:effectLst>
         <a:scene3d>
           <a:camera prst="orthographicFront"/>
           <a:lightRig rig="flat" dir="t"/>
@@ -3777,12 +3813,12 @@
         </a:fontRef>
       </dsp:style>
       <dsp:txBody>
-        <a:bodyPr spcFirstLastPara="0" vert="horz" wrap="square" lIns="76200" tIns="38100" rIns="76200" bIns="38100" numCol="1" spcCol="1270" anchor="ctr" anchorCtr="0">
+        <a:bodyPr spcFirstLastPara="0" vert="horz" wrap="square" lIns="72390" tIns="36195" rIns="72390" bIns="36195" numCol="1" spcCol="1270" anchor="ctr" anchorCtr="0">
           <a:noAutofit/>
         </a:bodyPr>
         <a:lstStyle/>
         <a:p>
-          <a:pPr marL="228600" lvl="1" indent="-228600" algn="l" defTabSz="889000" rtl="0">
+          <a:pPr marL="171450" lvl="1" indent="-171450" algn="l" defTabSz="844550" rtl="0">
             <a:lnSpc>
               <a:spcPct val="90000"/>
             </a:lnSpc>
@@ -3795,7 +3831,7 @@
             <a:buChar char="•"/>
           </a:pPr>
           <a:r>
-            <a:rPr lang="en-US" sz="2000" kern="1200" dirty="0"/>
+            <a:rPr lang="en-US" sz="1900" kern="1200" dirty="0"/>
             <a:t>Number depends on imported metadata </a:t>
           </a:r>
         </a:p>
@@ -3822,36 +3858,41 @@
           <a:gsLst>
             <a:gs pos="0">
               <a:schemeClr val="accent1">
-                <a:lumMod val="110000"/>
-                <a:satMod val="105000"/>
-                <a:tint val="67000"/>
+                <a:tint val="50000"/>
+                <a:satMod val="300000"/>
               </a:schemeClr>
             </a:gs>
-            <a:gs pos="50000">
+            <a:gs pos="35000">
               <a:schemeClr val="accent1">
-                <a:lumMod val="105000"/>
-                <a:satMod val="103000"/>
-                <a:tint val="73000"/>
+                <a:tint val="37000"/>
+                <a:satMod val="300000"/>
               </a:schemeClr>
             </a:gs>
             <a:gs pos="100000">
               <a:schemeClr val="accent1">
-                <a:lumMod val="105000"/>
-                <a:satMod val="109000"/>
-                <a:tint val="81000"/>
+                <a:tint val="15000"/>
+                <a:satMod val="350000"/>
               </a:schemeClr>
             </a:gs>
           </a:gsLst>
-          <a:lin ang="5400000" scaled="0"/>
+          <a:lin ang="16200000" scaled="1"/>
         </a:gradFill>
-        <a:ln w="6350" cap="flat" cmpd="sng" algn="ctr">
+        <a:ln w="9525" cap="flat" cmpd="sng" algn="ctr">
           <a:solidFill>
-            <a:schemeClr val="accent1"/>
+            <a:schemeClr val="accent1">
+              <a:shade val="95000"/>
+              <a:satMod val="105000"/>
+            </a:schemeClr>
           </a:solidFill>
           <a:prstDash val="solid"/>
-          <a:miter lim="800000"/>
         </a:ln>
-        <a:effectLst/>
+        <a:effectLst>
+          <a:outerShdw blurRad="40000" dist="20000" dir="5400000" rotWithShape="0">
+            <a:srgbClr val="000000">
+              <a:alpha val="38000"/>
+            </a:srgbClr>
+          </a:outerShdw>
+        </a:effectLst>
         <a:scene3d>
           <a:camera prst="orthographicFront"/>
           <a:lightRig rig="flat" dir="t"/>
@@ -3873,12 +3914,12 @@
         </a:fontRef>
       </dsp:style>
       <dsp:txBody>
-        <a:bodyPr spcFirstLastPara="0" vert="horz" wrap="square" lIns="114300" tIns="57150" rIns="114300" bIns="57150" numCol="1" spcCol="1270" anchor="ctr" anchorCtr="0">
+        <a:bodyPr spcFirstLastPara="0" vert="horz" wrap="square" lIns="106680" tIns="53340" rIns="106680" bIns="53340" numCol="1" spcCol="1270" anchor="ctr" anchorCtr="0">
           <a:noAutofit/>
         </a:bodyPr>
         <a:lstStyle/>
         <a:p>
-          <a:pPr marL="0" lvl="0" indent="0" algn="ctr" defTabSz="1333500" rtl="0">
+          <a:pPr marL="0" lvl="0" indent="0" algn="ctr" defTabSz="1244600" rtl="0">
             <a:lnSpc>
               <a:spcPct val="90000"/>
             </a:lnSpc>
@@ -3891,22 +3932,22 @@
             <a:buNone/>
           </a:pPr>
           <a:r>
-            <a:rPr lang="en-US" sz="3000" kern="1200" dirty="0"/>
+            <a:rPr lang="en-US" sz="2800" kern="1200" dirty="0"/>
             <a:t>Schema</a:t>
           </a:r>
           <a:br>
-            <a:rPr lang="en-US" sz="3000" kern="1200" dirty="0"/>
+            <a:rPr lang="en-US" sz="2800" kern="1200" dirty="0"/>
           </a:br>
           <a:r>
-            <a:rPr lang="en-US" sz="3000" kern="1200" dirty="0"/>
+            <a:rPr lang="en-US" sz="2800" kern="1200" dirty="0"/>
             <a:t>*.</a:t>
           </a:r>
           <a:r>
-            <a:rPr lang="en-US" sz="3000" kern="1200" dirty="0" err="1"/>
+            <a:rPr lang="en-US" sz="2800" kern="1200" dirty="0" err="1"/>
             <a:t>xsd</a:t>
           </a:r>
           <a:r>
-            <a:rPr lang="en-US" sz="3000" kern="1200" dirty="0"/>
+            <a:rPr lang="en-US" sz="2800" kern="1200" dirty="0"/>
             <a:t> file</a:t>
           </a:r>
         </a:p>
@@ -3933,36 +3974,41 @@
           <a:gsLst>
             <a:gs pos="0">
               <a:schemeClr val="accent5">
-                <a:lumMod val="110000"/>
-                <a:satMod val="105000"/>
-                <a:tint val="67000"/>
+                <a:tint val="50000"/>
+                <a:satMod val="300000"/>
               </a:schemeClr>
             </a:gs>
-            <a:gs pos="50000">
+            <a:gs pos="35000">
               <a:schemeClr val="accent5">
-                <a:lumMod val="105000"/>
-                <a:satMod val="103000"/>
-                <a:tint val="73000"/>
+                <a:tint val="37000"/>
+                <a:satMod val="300000"/>
               </a:schemeClr>
             </a:gs>
             <a:gs pos="100000">
               <a:schemeClr val="accent5">
-                <a:lumMod val="105000"/>
-                <a:satMod val="109000"/>
-                <a:tint val="81000"/>
+                <a:tint val="15000"/>
+                <a:satMod val="350000"/>
               </a:schemeClr>
             </a:gs>
           </a:gsLst>
-          <a:lin ang="5400000" scaled="0"/>
+          <a:lin ang="16200000" scaled="1"/>
         </a:gradFill>
-        <a:ln w="6350" cap="flat" cmpd="sng" algn="ctr">
+        <a:ln w="9525" cap="flat" cmpd="sng" algn="ctr">
           <a:solidFill>
-            <a:schemeClr val="accent5"/>
+            <a:schemeClr val="accent5">
+              <a:shade val="95000"/>
+              <a:satMod val="105000"/>
+            </a:schemeClr>
           </a:solidFill>
           <a:prstDash val="solid"/>
-          <a:miter lim="800000"/>
         </a:ln>
-        <a:effectLst/>
+        <a:effectLst>
+          <a:outerShdw blurRad="40000" dist="20000" dir="5400000" rotWithShape="0">
+            <a:srgbClr val="000000">
+              <a:alpha val="38000"/>
+            </a:srgbClr>
+          </a:outerShdw>
+        </a:effectLst>
         <a:scene3d>
           <a:camera prst="orthographicFront"/>
           <a:lightRig rig="flat" dir="t"/>
@@ -3984,12 +4030,12 @@
         </a:fontRef>
       </dsp:style>
       <dsp:txBody>
-        <a:bodyPr spcFirstLastPara="0" vert="horz" wrap="square" lIns="76200" tIns="38100" rIns="76200" bIns="38100" numCol="1" spcCol="1270" anchor="ctr" anchorCtr="0">
+        <a:bodyPr spcFirstLastPara="0" vert="horz" wrap="square" lIns="72390" tIns="36195" rIns="72390" bIns="36195" numCol="1" spcCol="1270" anchor="ctr" anchorCtr="0">
           <a:noAutofit/>
         </a:bodyPr>
         <a:lstStyle/>
         <a:p>
-          <a:pPr marL="228600" lvl="1" indent="-228600" algn="l" defTabSz="889000" rtl="0">
+          <a:pPr marL="171450" lvl="1" indent="-171450" algn="l" defTabSz="844550" rtl="0">
             <a:lnSpc>
               <a:spcPct val="90000"/>
             </a:lnSpc>
@@ -4002,12 +4048,12 @@
             <a:buChar char="•"/>
           </a:pPr>
           <a:r>
-            <a:rPr lang="en-US" sz="2000" kern="1200" dirty="0"/>
+            <a:rPr lang="en-US" sz="1900" kern="1200" dirty="0"/>
             <a:t>Port Types</a:t>
           </a:r>
         </a:p>
         <a:p>
-          <a:pPr marL="228600" lvl="1" indent="-228600" algn="l" defTabSz="889000" rtl="0">
+          <a:pPr marL="171450" lvl="1" indent="-171450" algn="l" defTabSz="844550" rtl="0">
             <a:lnSpc>
               <a:spcPct val="90000"/>
             </a:lnSpc>
@@ -4020,7 +4066,7 @@
             <a:buChar char="•"/>
           </a:pPr>
           <a:r>
-            <a:rPr lang="en-US" sz="2000" kern="1200" dirty="0"/>
+            <a:rPr lang="en-US" sz="1900" kern="1200" dirty="0"/>
             <a:t>Multipart messages</a:t>
           </a:r>
         </a:p>
@@ -4047,36 +4093,41 @@
           <a:gsLst>
             <a:gs pos="0">
               <a:schemeClr val="accent1">
-                <a:lumMod val="110000"/>
-                <a:satMod val="105000"/>
-                <a:tint val="67000"/>
+                <a:tint val="50000"/>
+                <a:satMod val="300000"/>
               </a:schemeClr>
             </a:gs>
-            <a:gs pos="50000">
+            <a:gs pos="35000">
               <a:schemeClr val="accent1">
-                <a:lumMod val="105000"/>
-                <a:satMod val="103000"/>
-                <a:tint val="73000"/>
+                <a:tint val="37000"/>
+                <a:satMod val="300000"/>
               </a:schemeClr>
             </a:gs>
             <a:gs pos="100000">
               <a:schemeClr val="accent1">
-                <a:lumMod val="105000"/>
-                <a:satMod val="109000"/>
-                <a:tint val="81000"/>
+                <a:tint val="15000"/>
+                <a:satMod val="350000"/>
               </a:schemeClr>
             </a:gs>
           </a:gsLst>
-          <a:lin ang="5400000" scaled="0"/>
+          <a:lin ang="16200000" scaled="1"/>
         </a:gradFill>
-        <a:ln w="6350" cap="flat" cmpd="sng" algn="ctr">
+        <a:ln w="9525" cap="flat" cmpd="sng" algn="ctr">
           <a:solidFill>
-            <a:schemeClr val="accent1"/>
+            <a:schemeClr val="accent1">
+              <a:shade val="95000"/>
+              <a:satMod val="105000"/>
+            </a:schemeClr>
           </a:solidFill>
           <a:prstDash val="solid"/>
-          <a:miter lim="800000"/>
         </a:ln>
-        <a:effectLst/>
+        <a:effectLst>
+          <a:outerShdw blurRad="40000" dist="20000" dir="5400000" rotWithShape="0">
+            <a:srgbClr val="000000">
+              <a:alpha val="38000"/>
+            </a:srgbClr>
+          </a:outerShdw>
+        </a:effectLst>
         <a:scene3d>
           <a:camera prst="orthographicFront"/>
           <a:lightRig rig="flat" dir="t"/>
@@ -4098,12 +4149,12 @@
         </a:fontRef>
       </dsp:style>
       <dsp:txBody>
-        <a:bodyPr spcFirstLastPara="0" vert="horz" wrap="square" lIns="114300" tIns="57150" rIns="114300" bIns="57150" numCol="1" spcCol="1270" anchor="ctr" anchorCtr="0">
+        <a:bodyPr spcFirstLastPara="0" vert="horz" wrap="square" lIns="106680" tIns="53340" rIns="106680" bIns="53340" numCol="1" spcCol="1270" anchor="ctr" anchorCtr="0">
           <a:noAutofit/>
         </a:bodyPr>
         <a:lstStyle/>
         <a:p>
-          <a:pPr marL="0" lvl="0" indent="0" algn="ctr" defTabSz="1333500" rtl="0">
+          <a:pPr marL="0" lvl="0" indent="0" algn="ctr" defTabSz="1244600" rtl="0">
             <a:lnSpc>
               <a:spcPct val="90000"/>
             </a:lnSpc>
@@ -4116,22 +4167,22 @@
             <a:buNone/>
           </a:pPr>
           <a:r>
-            <a:rPr lang="en-US" sz="3000" kern="1200" dirty="0"/>
+            <a:rPr lang="en-US" sz="2800" kern="1200" dirty="0"/>
             <a:t>Orchestration</a:t>
           </a:r>
           <a:br>
-            <a:rPr lang="en-US" sz="3000" kern="1200" dirty="0"/>
+            <a:rPr lang="en-US" sz="2800" kern="1200" dirty="0"/>
           </a:br>
           <a:r>
-            <a:rPr lang="en-US" sz="3000" kern="1200" dirty="0"/>
+            <a:rPr lang="en-US" sz="2800" kern="1200" dirty="0"/>
             <a:t>*.</a:t>
           </a:r>
           <a:r>
-            <a:rPr lang="en-US" sz="3000" kern="1200" dirty="0" err="1"/>
+            <a:rPr lang="en-US" sz="2800" kern="1200" dirty="0" err="1"/>
             <a:t>odx</a:t>
           </a:r>
           <a:r>
-            <a:rPr lang="en-US" sz="3000" kern="1200" dirty="0"/>
+            <a:rPr lang="en-US" sz="2800" kern="1200" dirty="0"/>
             <a:t> file</a:t>
           </a:r>
         </a:p>
@@ -4158,36 +4209,41 @@
           <a:gsLst>
             <a:gs pos="0">
               <a:schemeClr val="accent5">
-                <a:lumMod val="110000"/>
-                <a:satMod val="105000"/>
-                <a:tint val="67000"/>
+                <a:tint val="50000"/>
+                <a:satMod val="300000"/>
               </a:schemeClr>
             </a:gs>
-            <a:gs pos="50000">
+            <a:gs pos="35000">
               <a:schemeClr val="accent5">
-                <a:lumMod val="105000"/>
-                <a:satMod val="103000"/>
-                <a:tint val="73000"/>
+                <a:tint val="37000"/>
+                <a:satMod val="300000"/>
               </a:schemeClr>
             </a:gs>
             <a:gs pos="100000">
               <a:schemeClr val="accent5">
-                <a:lumMod val="105000"/>
-                <a:satMod val="109000"/>
-                <a:tint val="81000"/>
+                <a:tint val="15000"/>
+                <a:satMod val="350000"/>
               </a:schemeClr>
             </a:gs>
           </a:gsLst>
-          <a:lin ang="5400000" scaled="0"/>
+          <a:lin ang="16200000" scaled="1"/>
         </a:gradFill>
-        <a:ln w="6350" cap="flat" cmpd="sng" algn="ctr">
+        <a:ln w="9525" cap="flat" cmpd="sng" algn="ctr">
           <a:solidFill>
-            <a:schemeClr val="accent5"/>
+            <a:schemeClr val="accent5">
+              <a:shade val="95000"/>
+              <a:satMod val="105000"/>
+            </a:schemeClr>
           </a:solidFill>
           <a:prstDash val="solid"/>
-          <a:miter lim="800000"/>
         </a:ln>
-        <a:effectLst/>
+        <a:effectLst>
+          <a:outerShdw blurRad="40000" dist="20000" dir="5400000" rotWithShape="0">
+            <a:srgbClr val="000000">
+              <a:alpha val="38000"/>
+            </a:srgbClr>
+          </a:outerShdw>
+        </a:effectLst>
         <a:scene3d>
           <a:camera prst="orthographicFront"/>
           <a:lightRig rig="flat" dir="t"/>
@@ -4209,12 +4265,12 @@
         </a:fontRef>
       </dsp:style>
       <dsp:txBody>
-        <a:bodyPr spcFirstLastPara="0" vert="horz" wrap="square" lIns="76200" tIns="38100" rIns="76200" bIns="38100" numCol="1" spcCol="1270" anchor="ctr" anchorCtr="0">
+        <a:bodyPr spcFirstLastPara="0" vert="horz" wrap="square" lIns="72390" tIns="36195" rIns="72390" bIns="36195" numCol="1" spcCol="1270" anchor="ctr" anchorCtr="0">
           <a:noAutofit/>
         </a:bodyPr>
         <a:lstStyle/>
         <a:p>
-          <a:pPr marL="228600" lvl="1" indent="-228600" algn="l" defTabSz="889000" rtl="0">
+          <a:pPr marL="171450" lvl="1" indent="-171450" algn="l" defTabSz="844550" rtl="0">
             <a:lnSpc>
               <a:spcPct val="90000"/>
             </a:lnSpc>
@@ -4227,12 +4283,12 @@
             <a:buChar char="•"/>
           </a:pPr>
           <a:r>
-            <a:rPr lang="en-US" sz="2000" kern="1200" dirty="0"/>
+            <a:rPr lang="en-US" sz="1900" kern="1200" dirty="0"/>
             <a:t>One or two</a:t>
           </a:r>
         </a:p>
         <a:p>
-          <a:pPr marL="457200" lvl="2" indent="-228600" algn="l" defTabSz="889000" rtl="0">
+          <a:pPr marL="342900" lvl="2" indent="-171450" algn="l" defTabSz="844550" rtl="0">
             <a:lnSpc>
               <a:spcPct val="90000"/>
             </a:lnSpc>
@@ -4245,12 +4301,12 @@
             <a:buChar char="•"/>
           </a:pPr>
           <a:r>
-            <a:rPr lang="en-US" sz="2000" kern="1200" dirty="0"/>
+            <a:rPr lang="en-US" sz="1900" kern="1200" dirty="0"/>
             <a:t>One if WSDL matches existing adapter</a:t>
           </a:r>
         </a:p>
         <a:p>
-          <a:pPr marL="457200" lvl="2" indent="-228600" algn="l" defTabSz="889000" rtl="0">
+          <a:pPr marL="342900" lvl="2" indent="-171450" algn="l" defTabSz="844550" rtl="0">
             <a:lnSpc>
               <a:spcPct val="90000"/>
             </a:lnSpc>
@@ -4263,7 +4319,7 @@
             <a:buChar char="•"/>
           </a:pPr>
           <a:r>
-            <a:rPr lang="en-US" sz="2000" kern="1200" dirty="0"/>
+            <a:rPr lang="en-US" sz="1900" kern="1200" dirty="0"/>
             <a:t>One for WCF-Custom </a:t>
           </a:r>
         </a:p>
@@ -4290,36 +4346,41 @@
           <a:gsLst>
             <a:gs pos="0">
               <a:schemeClr val="accent1">
-                <a:lumMod val="110000"/>
-                <a:satMod val="105000"/>
-                <a:tint val="67000"/>
+                <a:tint val="50000"/>
+                <a:satMod val="300000"/>
               </a:schemeClr>
             </a:gs>
-            <a:gs pos="50000">
+            <a:gs pos="35000">
               <a:schemeClr val="accent1">
-                <a:lumMod val="105000"/>
-                <a:satMod val="103000"/>
-                <a:tint val="73000"/>
+                <a:tint val="37000"/>
+                <a:satMod val="300000"/>
               </a:schemeClr>
             </a:gs>
             <a:gs pos="100000">
               <a:schemeClr val="accent1">
-                <a:lumMod val="105000"/>
-                <a:satMod val="109000"/>
-                <a:tint val="81000"/>
+                <a:tint val="15000"/>
+                <a:satMod val="350000"/>
               </a:schemeClr>
             </a:gs>
           </a:gsLst>
-          <a:lin ang="5400000" scaled="0"/>
+          <a:lin ang="16200000" scaled="1"/>
         </a:gradFill>
-        <a:ln w="6350" cap="flat" cmpd="sng" algn="ctr">
+        <a:ln w="9525" cap="flat" cmpd="sng" algn="ctr">
           <a:solidFill>
-            <a:schemeClr val="accent1"/>
+            <a:schemeClr val="accent1">
+              <a:shade val="95000"/>
+              <a:satMod val="105000"/>
+            </a:schemeClr>
           </a:solidFill>
           <a:prstDash val="solid"/>
-          <a:miter lim="800000"/>
         </a:ln>
-        <a:effectLst/>
+        <a:effectLst>
+          <a:outerShdw blurRad="40000" dist="20000" dir="5400000" rotWithShape="0">
+            <a:srgbClr val="000000">
+              <a:alpha val="38000"/>
+            </a:srgbClr>
+          </a:outerShdw>
+        </a:effectLst>
         <a:scene3d>
           <a:camera prst="orthographicFront"/>
           <a:lightRig rig="flat" dir="t"/>
@@ -4341,12 +4402,12 @@
         </a:fontRef>
       </dsp:style>
       <dsp:txBody>
-        <a:bodyPr spcFirstLastPara="0" vert="horz" wrap="square" lIns="114300" tIns="57150" rIns="114300" bIns="57150" numCol="1" spcCol="1270" anchor="ctr" anchorCtr="0">
+        <a:bodyPr spcFirstLastPara="0" vert="horz" wrap="square" lIns="106680" tIns="53340" rIns="106680" bIns="53340" numCol="1" spcCol="1270" anchor="ctr" anchorCtr="0">
           <a:noAutofit/>
         </a:bodyPr>
         <a:lstStyle/>
         <a:p>
-          <a:pPr marL="0" lvl="0" indent="0" algn="ctr" defTabSz="1333500" rtl="0">
+          <a:pPr marL="0" lvl="0" indent="0" algn="ctr" defTabSz="1244600" rtl="0">
             <a:lnSpc>
               <a:spcPct val="90000"/>
             </a:lnSpc>
@@ -4359,7 +4420,7 @@
             <a:buNone/>
           </a:pPr>
           <a:r>
-            <a:rPr lang="en-US" sz="3000" kern="1200" dirty="0"/>
+            <a:rPr lang="en-US" sz="2800" kern="1200" dirty="0"/>
             <a:t>Binding files</a:t>
           </a:r>
         </a:p>
@@ -7199,7 +7260,7 @@
               <a:pPr>
                 <a:defRPr/>
               </a:pPr>
-              <a:t>09 December 2016</a:t>
+              <a:t>13 December 2016</a:t>
             </a:fld>
             <a:endParaRPr lang="de-DE"/>
           </a:p>
@@ -7513,7 +7574,7 @@
               <a:pPr>
                 <a:defRPr/>
               </a:pPr>
-              <a:t>9. Dezember 2016</a:t>
+              <a:t>13. Dezember 2016</a:t>
             </a:fld>
             <a:r>
               <a:rPr lang="de-DE"/>
@@ -7807,7 +7868,7 @@
               <a:pPr>
                 <a:defRPr/>
               </a:pPr>
-              <a:t>9. Dezember 2016</a:t>
+              <a:t>13. Dezember 2016</a:t>
             </a:fld>
             <a:r>
               <a:rPr lang="de-DE"/>
@@ -9067,7 +9128,7 @@
               <a:pPr>
                 <a:defRPr/>
               </a:pPr>
-              <a:t>9. Dezember 2016</a:t>
+              <a:t>13. Dezember 2016</a:t>
             </a:fld>
             <a:r>
               <a:rPr lang="de-DE"/>
@@ -9191,7 +9252,7 @@
               <a:pPr>
                 <a:defRPr/>
               </a:pPr>
-              <a:t>9. Dezember 2016</a:t>
+              <a:t>13. Dezember 2016</a:t>
             </a:fld>
             <a:r>
               <a:rPr lang="de-DE"/>
@@ -9339,7 +9400,7 @@
               <a:pPr>
                 <a:defRPr/>
               </a:pPr>
-              <a:t>9. Dezember 2016</a:t>
+              <a:t>13. Dezember 2016</a:t>
             </a:fld>
             <a:r>
               <a:rPr lang="de-DE"/>
@@ -11322,7 +11383,7 @@
               <a:pPr>
                 <a:defRPr/>
               </a:pPr>
-              <a:t>9. Dezember 2016</a:t>
+              <a:t>13. Dezember 2016</a:t>
             </a:fld>
             <a:r>
               <a:rPr lang="de-DE"/>
@@ -11447,7 +11508,7 @@
               <a:pPr>
                 <a:defRPr/>
               </a:pPr>
-              <a:t>9. Dezember 2016</a:t>
+              <a:t>13. Dezember 2016</a:t>
             </a:fld>
             <a:r>
               <a:rPr lang="de-DE"/>
@@ -11569,7 +11630,7 @@
               <a:pPr>
                 <a:defRPr/>
               </a:pPr>
-              <a:t>9. Dezember 2016</a:t>
+              <a:t>13. Dezember 2016</a:t>
             </a:fld>
             <a:r>
               <a:rPr lang="de-DE"/>
@@ -11665,7 +11726,6 @@
               <a:rPr lang="en-US"/>
               <a:t>Click to edit Master title style</a:t>
             </a:r>
-            <a:endParaRPr lang="en-US"/>
           </a:p>
         </p:txBody>
       </p:sp>
@@ -11730,7 +11790,6 @@
               <a:rPr lang="en-US"/>
               <a:t>Click to edit Master subtitle style</a:t>
             </a:r>
-            <a:endParaRPr lang="en-US"/>
           </a:p>
         </p:txBody>
       </p:sp>
@@ -11751,7 +11810,7 @@
           <a:p>
             <a:fld id="{ABF2FD4C-D78B-400D-9C49-A448B70A2069}" type="datetimeFigureOut">
               <a:rPr lang="en-US" smtClean="0"/>
-              <a:t>12/9/2016</a:t>
+              <a:t>12/13/2016</a:t>
             </a:fld>
             <a:endParaRPr lang="en-US"/>
           </a:p>
@@ -11848,7 +11907,6 @@
               <a:rPr lang="en-US"/>
               <a:t>Click to edit Master title style</a:t>
             </a:r>
-            <a:endParaRPr lang="en-US"/>
           </a:p>
         </p:txBody>
       </p:sp>
@@ -11900,7 +11958,6 @@
               <a:rPr lang="en-US"/>
               <a:t>Fifth level</a:t>
             </a:r>
-            <a:endParaRPr lang="en-US"/>
           </a:p>
         </p:txBody>
       </p:sp>
@@ -11921,7 +11978,7 @@
           <a:p>
             <a:fld id="{ABF2FD4C-D78B-400D-9C49-A448B70A2069}" type="datetimeFigureOut">
               <a:rPr lang="en-US" smtClean="0"/>
-              <a:t>12/9/2016</a:t>
+              <a:t>12/13/2016</a:t>
             </a:fld>
             <a:endParaRPr lang="en-US"/>
           </a:p>
@@ -12023,7 +12080,6 @@
               <a:rPr lang="en-US"/>
               <a:t>Click to edit Master title style</a:t>
             </a:r>
-            <a:endParaRPr lang="en-US"/>
           </a:p>
         </p:txBody>
       </p:sp>
@@ -12080,7 +12136,6 @@
               <a:rPr lang="en-US"/>
               <a:t>Fifth level</a:t>
             </a:r>
-            <a:endParaRPr lang="en-US"/>
           </a:p>
         </p:txBody>
       </p:sp>
@@ -12101,7 +12156,7 @@
           <a:p>
             <a:fld id="{ABF2FD4C-D78B-400D-9C49-A448B70A2069}" type="datetimeFigureOut">
               <a:rPr lang="en-US" smtClean="0"/>
-              <a:t>12/9/2016</a:t>
+              <a:t>12/13/2016</a:t>
             </a:fld>
             <a:endParaRPr lang="en-US"/>
           </a:p>
@@ -12265,6 +12320,1252 @@
 </p:sldLayout>
 </file>
 
+<file path=ppt/slideLayouts/slideLayout13.xml><?xml version="1.0" encoding="utf-8"?>
+<p:sldLayout xmlns:a="http://schemas.openxmlformats.org/drawingml/2006/main" xmlns:r="http://schemas.openxmlformats.org/officeDocument/2006/relationships" xmlns:p="http://schemas.openxmlformats.org/presentationml/2006/main" showMasterSp="0" type="title" preserve="1">
+  <p:cSld name="Rubrikbild">
+    <p:bg>
+      <p:bgPr>
+        <a:solidFill>
+          <a:schemeClr val="tx1"/>
+        </a:solidFill>
+        <a:effectLst/>
+      </p:bgPr>
+    </p:bg>
+    <p:spTree>
+      <p:nvGrpSpPr>
+        <p:cNvPr id="1" name=""/>
+        <p:cNvGrpSpPr/>
+        <p:nvPr/>
+      </p:nvGrpSpPr>
+      <p:grpSpPr>
+        <a:xfrm>
+          <a:off x="0" y="0"/>
+          <a:ext cx="0" cy="0"/>
+          <a:chOff x="0" y="0"/>
+          <a:chExt cx="0" cy="0"/>
+        </a:xfrm>
+      </p:grpSpPr>
+      <p:sp>
+        <p:nvSpPr>
+          <p:cNvPr id="9" name="Line 9"/>
+          <p:cNvSpPr>
+            <a:spLocks noChangeShapeType="1"/>
+          </p:cNvSpPr>
+          <p:nvPr/>
+        </p:nvSpPr>
+        <p:spPr bwMode="gray">
+          <a:xfrm>
+            <a:off x="1835150" y="4221163"/>
+            <a:ext cx="7308850" cy="0"/>
+          </a:xfrm>
+          <a:prstGeom prst="line">
+            <a:avLst/>
+          </a:prstGeom>
+          <a:noFill/>
+          <a:ln w="19050">
+            <a:solidFill>
+              <a:schemeClr val="bg2"/>
+            </a:solidFill>
+            <a:round/>
+            <a:headEnd/>
+            <a:tailEnd/>
+          </a:ln>
+          <a:effectLst/>
+        </p:spPr>
+        <p:txBody>
+          <a:bodyPr/>
+          <a:lstStyle/>
+          <a:p>
+            <a:pPr algn="ctr">
+              <a:buClr>
+                <a:schemeClr val="bg2"/>
+              </a:buClr>
+              <a:defRPr/>
+            </a:pPr>
+            <a:endParaRPr lang="sv-SE">
+              <a:cs typeface="+mn-cs"/>
+            </a:endParaRPr>
+          </a:p>
+        </p:txBody>
+      </p:sp>
+      <p:sp>
+        <p:nvSpPr>
+          <p:cNvPr id="5122" name="Rectangle 2"/>
+          <p:cNvSpPr>
+            <a:spLocks noGrp="1" noChangeArrowheads="1"/>
+          </p:cNvSpPr>
+          <p:nvPr>
+            <p:ph type="subTitle" idx="1"/>
+          </p:nvPr>
+        </p:nvSpPr>
+        <p:spPr>
+          <a:xfrm>
+            <a:off x="1835150" y="4221163"/>
+            <a:ext cx="6913563" cy="1800225"/>
+          </a:xfrm>
+        </p:spPr>
+        <p:txBody>
+          <a:bodyPr tIns="118800" bIns="45720"/>
+          <a:lstStyle>
+            <a:lvl1pPr marL="0" indent="0">
+              <a:buFontTx/>
+              <a:buNone/>
+              <a:defRPr sz="1600" b="1">
+                <a:solidFill>
+                  <a:schemeClr val="accent1"/>
+                </a:solidFill>
+              </a:defRPr>
+            </a:lvl1pPr>
+          </a:lstStyle>
+          <a:p>
+            <a:r>
+              <a:rPr lang="en-US"/>
+              <a:t>Click to edit Master subtitle style</a:t>
+            </a:r>
+            <a:endParaRPr lang="en-GB" dirty="0"/>
+          </a:p>
+        </p:txBody>
+      </p:sp>
+      <p:sp>
+        <p:nvSpPr>
+          <p:cNvPr id="5123" name="Rectangle 3"/>
+          <p:cNvSpPr>
+            <a:spLocks noGrp="1" noChangeArrowheads="1"/>
+          </p:cNvSpPr>
+          <p:nvPr>
+            <p:ph type="ctrTitle"/>
+          </p:nvPr>
+        </p:nvSpPr>
+        <p:spPr>
+          <a:xfrm>
+            <a:off x="1835150" y="3500438"/>
+            <a:ext cx="6913563" cy="720725"/>
+          </a:xfrm>
+        </p:spPr>
+        <p:txBody>
+          <a:bodyPr tIns="45720" bIns="82800" anchor="b"/>
+          <a:lstStyle>
+            <a:lvl1pPr>
+              <a:defRPr sz="2800">
+                <a:solidFill>
+                  <a:schemeClr val="accent1"/>
+                </a:solidFill>
+              </a:defRPr>
+            </a:lvl1pPr>
+          </a:lstStyle>
+          <a:p>
+            <a:r>
+              <a:rPr lang="en-US"/>
+              <a:t>Click to edit Master title style</a:t>
+            </a:r>
+            <a:endParaRPr lang="en-GB" dirty="0"/>
+          </a:p>
+        </p:txBody>
+      </p:sp>
+    </p:spTree>
+    <p:extLst>
+      <p:ext uri="{BB962C8B-B14F-4D97-AF65-F5344CB8AC3E}">
+        <p14:creationId xmlns:p14="http://schemas.microsoft.com/office/powerpoint/2010/main" val="1393362351"/>
+      </p:ext>
+    </p:extLst>
+  </p:cSld>
+  <p:clrMapOvr>
+    <a:masterClrMapping/>
+  </p:clrMapOvr>
+</p:sldLayout>
+</file>
+
+<file path=ppt/slideLayouts/slideLayout14.xml><?xml version="1.0" encoding="utf-8"?>
+<p:sldLayout xmlns:a="http://schemas.openxmlformats.org/drawingml/2006/main" xmlns:r="http://schemas.openxmlformats.org/officeDocument/2006/relationships" xmlns:p="http://schemas.openxmlformats.org/presentationml/2006/main" type="secHead" preserve="1">
+  <p:cSld name="Avsnittsrubrik">
+    <p:bg>
+      <p:bgPr>
+        <a:solidFill>
+          <a:schemeClr val="tx2">
+            <a:lumMod val="50000"/>
+          </a:schemeClr>
+        </a:solidFill>
+        <a:effectLst/>
+      </p:bgPr>
+    </p:bg>
+    <p:spTree>
+      <p:nvGrpSpPr>
+        <p:cNvPr id="1" name=""/>
+        <p:cNvGrpSpPr/>
+        <p:nvPr/>
+      </p:nvGrpSpPr>
+      <p:grpSpPr>
+        <a:xfrm>
+          <a:off x="0" y="0"/>
+          <a:ext cx="0" cy="0"/>
+          <a:chOff x="0" y="0"/>
+          <a:chExt cx="0" cy="0"/>
+        </a:xfrm>
+      </p:grpSpPr>
+      <p:sp>
+        <p:nvSpPr>
+          <p:cNvPr id="2" name="Title 1"/>
+          <p:cNvSpPr>
+            <a:spLocks noGrp="1"/>
+          </p:cNvSpPr>
+          <p:nvPr>
+            <p:ph type="title"/>
+          </p:nvPr>
+        </p:nvSpPr>
+        <p:spPr>
+          <a:xfrm>
+            <a:off x="722313" y="4406900"/>
+            <a:ext cx="7772400" cy="1362075"/>
+          </a:xfrm>
+        </p:spPr>
+        <p:txBody>
+          <a:bodyPr anchor="t"/>
+          <a:lstStyle>
+            <a:lvl1pPr algn="l">
+              <a:defRPr sz="4000" b="1" cap="all">
+                <a:solidFill>
+                  <a:schemeClr val="bg1"/>
+                </a:solidFill>
+              </a:defRPr>
+            </a:lvl1pPr>
+          </a:lstStyle>
+          <a:p>
+            <a:r>
+              <a:rPr lang="en-US"/>
+              <a:t>Click to edit Master title style</a:t>
+            </a:r>
+            <a:endParaRPr lang="sv-SE" dirty="0"/>
+          </a:p>
+        </p:txBody>
+      </p:sp>
+      <p:sp>
+        <p:nvSpPr>
+          <p:cNvPr id="3" name="Text Placeholder 2"/>
+          <p:cNvSpPr>
+            <a:spLocks noGrp="1"/>
+          </p:cNvSpPr>
+          <p:nvPr>
+            <p:ph type="body" idx="1"/>
+          </p:nvPr>
+        </p:nvSpPr>
+        <p:spPr>
+          <a:xfrm>
+            <a:off x="722313" y="2906713"/>
+            <a:ext cx="7772400" cy="1500187"/>
+          </a:xfrm>
+        </p:spPr>
+        <p:txBody>
+          <a:bodyPr anchor="b"/>
+          <a:lstStyle>
+            <a:lvl1pPr marL="0" indent="0">
+              <a:buNone/>
+              <a:defRPr sz="2000">
+                <a:solidFill>
+                  <a:schemeClr val="bg1"/>
+                </a:solidFill>
+              </a:defRPr>
+            </a:lvl1pPr>
+            <a:lvl2pPr marL="457200" indent="0">
+              <a:buNone/>
+              <a:defRPr sz="1800"/>
+            </a:lvl2pPr>
+            <a:lvl3pPr marL="914400" indent="0">
+              <a:buNone/>
+              <a:defRPr sz="1600"/>
+            </a:lvl3pPr>
+            <a:lvl4pPr marL="1371600" indent="0">
+              <a:buNone/>
+              <a:defRPr sz="1400"/>
+            </a:lvl4pPr>
+            <a:lvl5pPr marL="1828800" indent="0">
+              <a:buNone/>
+              <a:defRPr sz="1400"/>
+            </a:lvl5pPr>
+            <a:lvl6pPr marL="2286000" indent="0">
+              <a:buNone/>
+              <a:defRPr sz="1400"/>
+            </a:lvl6pPr>
+            <a:lvl7pPr marL="2743200" indent="0">
+              <a:buNone/>
+              <a:defRPr sz="1400"/>
+            </a:lvl7pPr>
+            <a:lvl8pPr marL="3200400" indent="0">
+              <a:buNone/>
+              <a:defRPr sz="1400"/>
+            </a:lvl8pPr>
+            <a:lvl9pPr marL="3657600" indent="0">
+              <a:buNone/>
+              <a:defRPr sz="1400"/>
+            </a:lvl9pPr>
+          </a:lstStyle>
+          <a:p>
+            <a:pPr lvl="0"/>
+            <a:r>
+              <a:rPr lang="en-US"/>
+              <a:t>Edit Master text styles</a:t>
+            </a:r>
+          </a:p>
+        </p:txBody>
+      </p:sp>
+      <p:sp>
+        <p:nvSpPr>
+          <p:cNvPr id="10" name="Platshållare för bildnummer 5"/>
+          <p:cNvSpPr>
+            <a:spLocks noGrp="1"/>
+          </p:cNvSpPr>
+          <p:nvPr>
+            <p:ph type="sldNum" sz="quarter" idx="4"/>
+          </p:nvPr>
+        </p:nvSpPr>
+        <p:spPr>
+          <a:xfrm>
+            <a:off x="4680064" y="6350023"/>
+            <a:ext cx="468000" cy="365125"/>
+          </a:xfrm>
+          <a:prstGeom prst="rect">
+            <a:avLst/>
+          </a:prstGeom>
+        </p:spPr>
+        <p:txBody>
+          <a:bodyPr vert="horz" lIns="91440" tIns="45720" rIns="91440" bIns="45720" rtlCol="0" anchor="ctr"/>
+          <a:lstStyle>
+            <a:lvl1pPr algn="r">
+              <a:defRPr sz="900">
+                <a:solidFill>
+                  <a:schemeClr val="bg1"/>
+                </a:solidFill>
+                <a:latin typeface="Verdana" pitchFamily="34" charset="0"/>
+                <a:ea typeface="Verdana" pitchFamily="34" charset="0"/>
+                <a:cs typeface="Verdana" pitchFamily="34" charset="0"/>
+              </a:defRPr>
+            </a:lvl1pPr>
+          </a:lstStyle>
+          <a:p>
+            <a:fld id="{E7E03595-64EF-4266-854A-8332B716B6AE}" type="slidenum">
+              <a:rPr lang="en-US" smtClean="0"/>
+              <a:t>‹#›</a:t>
+            </a:fld>
+            <a:endParaRPr lang="en-US"/>
+          </a:p>
+        </p:txBody>
+      </p:sp>
+    </p:spTree>
+    <p:extLst>
+      <p:ext uri="{BB962C8B-B14F-4D97-AF65-F5344CB8AC3E}">
+        <p14:creationId xmlns:p14="http://schemas.microsoft.com/office/powerpoint/2010/main" val="1217486262"/>
+      </p:ext>
+    </p:extLst>
+  </p:cSld>
+  <p:clrMapOvr>
+    <a:masterClrMapping/>
+  </p:clrMapOvr>
+</p:sldLayout>
+</file>
+
+<file path=ppt/slideLayouts/slideLayout15.xml><?xml version="1.0" encoding="utf-8"?>
+<p:sldLayout xmlns:a="http://schemas.openxmlformats.org/drawingml/2006/main" xmlns:r="http://schemas.openxmlformats.org/officeDocument/2006/relationships" xmlns:p="http://schemas.openxmlformats.org/presentationml/2006/main" type="obj" preserve="1">
+  <p:cSld name="Rubrik och innehåll">
+    <p:spTree>
+      <p:nvGrpSpPr>
+        <p:cNvPr id="1" name=""/>
+        <p:cNvGrpSpPr/>
+        <p:nvPr/>
+      </p:nvGrpSpPr>
+      <p:grpSpPr>
+        <a:xfrm>
+          <a:off x="0" y="0"/>
+          <a:ext cx="0" cy="0"/>
+          <a:chOff x="0" y="0"/>
+          <a:chExt cx="0" cy="0"/>
+        </a:xfrm>
+      </p:grpSpPr>
+      <p:sp>
+        <p:nvSpPr>
+          <p:cNvPr id="2" name="Title 1"/>
+          <p:cNvSpPr>
+            <a:spLocks noGrp="1"/>
+          </p:cNvSpPr>
+          <p:nvPr>
+            <p:ph type="title"/>
+          </p:nvPr>
+        </p:nvSpPr>
+        <p:spPr/>
+        <p:txBody>
+          <a:bodyPr/>
+          <a:lstStyle/>
+          <a:p>
+            <a:r>
+              <a:rPr lang="en-US"/>
+              <a:t>Click to edit Master title style</a:t>
+            </a:r>
+            <a:endParaRPr lang="sv-SE"/>
+          </a:p>
+        </p:txBody>
+      </p:sp>
+      <p:sp>
+        <p:nvSpPr>
+          <p:cNvPr id="3" name="Content Placeholder 2"/>
+          <p:cNvSpPr>
+            <a:spLocks noGrp="1"/>
+          </p:cNvSpPr>
+          <p:nvPr>
+            <p:ph idx="1"/>
+          </p:nvPr>
+        </p:nvSpPr>
+        <p:spPr/>
+        <p:txBody>
+          <a:bodyPr/>
+          <a:lstStyle>
+            <a:lvl1pPr marL="177800" indent="-177800">
+              <a:buClr>
+                <a:schemeClr val="accent1"/>
+              </a:buClr>
+              <a:buFont typeface="Wingdings" pitchFamily="2" charset="2"/>
+              <a:buChar char="§"/>
+              <a:defRPr/>
+            </a:lvl1pPr>
+            <a:lvl2pPr marL="541338" indent="-184150">
+              <a:buClr>
+                <a:schemeClr val="accent1"/>
+              </a:buClr>
+              <a:buFont typeface="Wingdings" pitchFamily="2" charset="2"/>
+              <a:buChar char="§"/>
+              <a:defRPr/>
+            </a:lvl2pPr>
+            <a:lvl3pPr marL="896938" indent="-176213">
+              <a:buClr>
+                <a:schemeClr val="accent1"/>
+              </a:buClr>
+              <a:buFont typeface="Wingdings" pitchFamily="2" charset="2"/>
+              <a:buChar char="§"/>
+              <a:defRPr/>
+            </a:lvl3pPr>
+            <a:lvl4pPr marL="1252538" indent="-176213">
+              <a:buClr>
+                <a:schemeClr val="accent1"/>
+              </a:buClr>
+              <a:buFont typeface="Wingdings" pitchFamily="2" charset="2"/>
+              <a:buChar char="§"/>
+              <a:defRPr/>
+            </a:lvl4pPr>
+            <a:lvl5pPr marL="1616075" indent="-184150">
+              <a:buClr>
+                <a:schemeClr val="accent1"/>
+              </a:buClr>
+              <a:buFont typeface="Wingdings" pitchFamily="2" charset="2"/>
+              <a:buChar char="§"/>
+              <a:defRPr/>
+            </a:lvl5pPr>
+          </a:lstStyle>
+          <a:p>
+            <a:pPr lvl="0"/>
+            <a:r>
+              <a:rPr lang="en-US"/>
+              <a:t>Edit Master text styles</a:t>
+            </a:r>
+          </a:p>
+          <a:p>
+            <a:pPr lvl="1"/>
+            <a:r>
+              <a:rPr lang="en-US"/>
+              <a:t>Second level</a:t>
+            </a:r>
+          </a:p>
+          <a:p>
+            <a:pPr lvl="2"/>
+            <a:r>
+              <a:rPr lang="en-US"/>
+              <a:t>Third level</a:t>
+            </a:r>
+          </a:p>
+          <a:p>
+            <a:pPr lvl="3"/>
+            <a:r>
+              <a:rPr lang="en-US"/>
+              <a:t>Fourth level</a:t>
+            </a:r>
+          </a:p>
+          <a:p>
+            <a:pPr lvl="4"/>
+            <a:r>
+              <a:rPr lang="en-US"/>
+              <a:t>Fifth level</a:t>
+            </a:r>
+            <a:endParaRPr lang="sv-SE" dirty="0"/>
+          </a:p>
+        </p:txBody>
+      </p:sp>
+    </p:spTree>
+    <p:extLst>
+      <p:ext uri="{BB962C8B-B14F-4D97-AF65-F5344CB8AC3E}">
+        <p14:creationId xmlns:p14="http://schemas.microsoft.com/office/powerpoint/2010/main" val="1045280303"/>
+      </p:ext>
+    </p:extLst>
+  </p:cSld>
+  <p:clrMapOvr>
+    <a:masterClrMapping/>
+  </p:clrMapOvr>
+</p:sldLayout>
+</file>
+
+<file path=ppt/slideLayouts/slideLayout16.xml><?xml version="1.0" encoding="utf-8"?>
+<p:sldLayout xmlns:a="http://schemas.openxmlformats.org/drawingml/2006/main" xmlns:r="http://schemas.openxmlformats.org/officeDocument/2006/relationships" xmlns:p="http://schemas.openxmlformats.org/presentationml/2006/main" type="twoObj" preserve="1">
+  <p:cSld name="Två innehållsdelar">
+    <p:spTree>
+      <p:nvGrpSpPr>
+        <p:cNvPr id="1" name=""/>
+        <p:cNvGrpSpPr/>
+        <p:nvPr/>
+      </p:nvGrpSpPr>
+      <p:grpSpPr>
+        <a:xfrm>
+          <a:off x="0" y="0"/>
+          <a:ext cx="0" cy="0"/>
+          <a:chOff x="0" y="0"/>
+          <a:chExt cx="0" cy="0"/>
+        </a:xfrm>
+      </p:grpSpPr>
+      <p:sp>
+        <p:nvSpPr>
+          <p:cNvPr id="2" name="Title 1"/>
+          <p:cNvSpPr>
+            <a:spLocks noGrp="1"/>
+          </p:cNvSpPr>
+          <p:nvPr>
+            <p:ph type="title"/>
+          </p:nvPr>
+        </p:nvSpPr>
+        <p:spPr/>
+        <p:txBody>
+          <a:bodyPr/>
+          <a:lstStyle/>
+          <a:p>
+            <a:r>
+              <a:rPr lang="en-US"/>
+              <a:t>Click to edit Master title style</a:t>
+            </a:r>
+            <a:endParaRPr lang="sv-SE"/>
+          </a:p>
+        </p:txBody>
+      </p:sp>
+      <p:sp>
+        <p:nvSpPr>
+          <p:cNvPr id="3" name="Content Placeholder 2"/>
+          <p:cNvSpPr>
+            <a:spLocks noGrp="1"/>
+          </p:cNvSpPr>
+          <p:nvPr>
+            <p:ph sz="half" idx="1"/>
+          </p:nvPr>
+        </p:nvSpPr>
+        <p:spPr>
+          <a:xfrm>
+            <a:off x="395288" y="1484313"/>
+            <a:ext cx="4100512" cy="4608512"/>
+          </a:xfrm>
+        </p:spPr>
+        <p:txBody>
+          <a:bodyPr/>
+          <a:lstStyle>
+            <a:lvl1pPr>
+              <a:defRPr sz="2800"/>
+            </a:lvl1pPr>
+            <a:lvl2pPr>
+              <a:defRPr sz="2400"/>
+            </a:lvl2pPr>
+            <a:lvl3pPr>
+              <a:defRPr sz="2000"/>
+            </a:lvl3pPr>
+            <a:lvl4pPr>
+              <a:defRPr sz="1800"/>
+            </a:lvl4pPr>
+            <a:lvl5pPr>
+              <a:defRPr sz="1800"/>
+            </a:lvl5pPr>
+            <a:lvl6pPr>
+              <a:defRPr sz="1800"/>
+            </a:lvl6pPr>
+            <a:lvl7pPr>
+              <a:defRPr sz="1800"/>
+            </a:lvl7pPr>
+            <a:lvl8pPr>
+              <a:defRPr sz="1800"/>
+            </a:lvl8pPr>
+            <a:lvl9pPr>
+              <a:defRPr sz="1800"/>
+            </a:lvl9pPr>
+          </a:lstStyle>
+          <a:p>
+            <a:pPr lvl="0"/>
+            <a:r>
+              <a:rPr lang="en-US"/>
+              <a:t>Edit Master text styles</a:t>
+            </a:r>
+          </a:p>
+          <a:p>
+            <a:pPr lvl="1"/>
+            <a:r>
+              <a:rPr lang="en-US"/>
+              <a:t>Second level</a:t>
+            </a:r>
+          </a:p>
+          <a:p>
+            <a:pPr lvl="2"/>
+            <a:r>
+              <a:rPr lang="en-US"/>
+              <a:t>Third level</a:t>
+            </a:r>
+          </a:p>
+          <a:p>
+            <a:pPr lvl="3"/>
+            <a:r>
+              <a:rPr lang="en-US"/>
+              <a:t>Fourth level</a:t>
+            </a:r>
+          </a:p>
+          <a:p>
+            <a:pPr lvl="4"/>
+            <a:r>
+              <a:rPr lang="en-US"/>
+              <a:t>Fifth level</a:t>
+            </a:r>
+            <a:endParaRPr lang="sv-SE" dirty="0"/>
+          </a:p>
+        </p:txBody>
+      </p:sp>
+      <p:sp>
+        <p:nvSpPr>
+          <p:cNvPr id="4" name="Content Placeholder 3"/>
+          <p:cNvSpPr>
+            <a:spLocks noGrp="1"/>
+          </p:cNvSpPr>
+          <p:nvPr>
+            <p:ph sz="half" idx="2"/>
+          </p:nvPr>
+        </p:nvSpPr>
+        <p:spPr>
+          <a:xfrm>
+            <a:off x="4648200" y="1484313"/>
+            <a:ext cx="4100513" cy="4608512"/>
+          </a:xfrm>
+        </p:spPr>
+        <p:txBody>
+          <a:bodyPr/>
+          <a:lstStyle>
+            <a:lvl1pPr>
+              <a:defRPr sz="2800"/>
+            </a:lvl1pPr>
+            <a:lvl2pPr>
+              <a:defRPr sz="2400"/>
+            </a:lvl2pPr>
+            <a:lvl3pPr>
+              <a:defRPr sz="2000"/>
+            </a:lvl3pPr>
+            <a:lvl4pPr>
+              <a:defRPr sz="1800"/>
+            </a:lvl4pPr>
+            <a:lvl5pPr>
+              <a:defRPr sz="1800"/>
+            </a:lvl5pPr>
+            <a:lvl6pPr>
+              <a:defRPr sz="1800"/>
+            </a:lvl6pPr>
+            <a:lvl7pPr>
+              <a:defRPr sz="1800"/>
+            </a:lvl7pPr>
+            <a:lvl8pPr>
+              <a:defRPr sz="1800"/>
+            </a:lvl8pPr>
+            <a:lvl9pPr>
+              <a:defRPr sz="1800"/>
+            </a:lvl9pPr>
+          </a:lstStyle>
+          <a:p>
+            <a:pPr lvl="0"/>
+            <a:r>
+              <a:rPr lang="en-US"/>
+              <a:t>Edit Master text styles</a:t>
+            </a:r>
+          </a:p>
+          <a:p>
+            <a:pPr lvl="1"/>
+            <a:r>
+              <a:rPr lang="en-US"/>
+              <a:t>Second level</a:t>
+            </a:r>
+          </a:p>
+          <a:p>
+            <a:pPr lvl="2"/>
+            <a:r>
+              <a:rPr lang="en-US"/>
+              <a:t>Third level</a:t>
+            </a:r>
+          </a:p>
+          <a:p>
+            <a:pPr lvl="3"/>
+            <a:r>
+              <a:rPr lang="en-US"/>
+              <a:t>Fourth level</a:t>
+            </a:r>
+          </a:p>
+          <a:p>
+            <a:pPr lvl="4"/>
+            <a:r>
+              <a:rPr lang="en-US"/>
+              <a:t>Fifth level</a:t>
+            </a:r>
+            <a:endParaRPr lang="sv-SE" dirty="0"/>
+          </a:p>
+        </p:txBody>
+      </p:sp>
+    </p:spTree>
+    <p:extLst>
+      <p:ext uri="{BB962C8B-B14F-4D97-AF65-F5344CB8AC3E}">
+        <p14:creationId xmlns:p14="http://schemas.microsoft.com/office/powerpoint/2010/main" val="265105460"/>
+      </p:ext>
+    </p:extLst>
+  </p:cSld>
+  <p:clrMapOvr>
+    <a:masterClrMapping/>
+  </p:clrMapOvr>
+</p:sldLayout>
+</file>
+
+<file path=ppt/slideLayouts/slideLayout17.xml><?xml version="1.0" encoding="utf-8"?>
+<p:sldLayout xmlns:a="http://schemas.openxmlformats.org/drawingml/2006/main" xmlns:r="http://schemas.openxmlformats.org/officeDocument/2006/relationships" xmlns:p="http://schemas.openxmlformats.org/presentationml/2006/main" type="twoTxTwoObj" preserve="1">
+  <p:cSld name="Jämförelse">
+    <p:spTree>
+      <p:nvGrpSpPr>
+        <p:cNvPr id="1" name=""/>
+        <p:cNvGrpSpPr/>
+        <p:nvPr/>
+      </p:nvGrpSpPr>
+      <p:grpSpPr>
+        <a:xfrm>
+          <a:off x="0" y="0"/>
+          <a:ext cx="0" cy="0"/>
+          <a:chOff x="0" y="0"/>
+          <a:chExt cx="0" cy="0"/>
+        </a:xfrm>
+      </p:grpSpPr>
+      <p:sp>
+        <p:nvSpPr>
+          <p:cNvPr id="2" name="Title 1"/>
+          <p:cNvSpPr>
+            <a:spLocks noGrp="1"/>
+          </p:cNvSpPr>
+          <p:nvPr>
+            <p:ph type="title"/>
+          </p:nvPr>
+        </p:nvSpPr>
+        <p:spPr>
+          <a:xfrm>
+            <a:off x="457200" y="274638"/>
+            <a:ext cx="8229600" cy="1143000"/>
+          </a:xfrm>
+        </p:spPr>
+        <p:txBody>
+          <a:bodyPr/>
+          <a:lstStyle>
+            <a:lvl1pPr>
+              <a:defRPr/>
+            </a:lvl1pPr>
+          </a:lstStyle>
+          <a:p>
+            <a:r>
+              <a:rPr lang="en-US"/>
+              <a:t>Click to edit Master title style</a:t>
+            </a:r>
+            <a:endParaRPr lang="sv-SE"/>
+          </a:p>
+        </p:txBody>
+      </p:sp>
+      <p:sp>
+        <p:nvSpPr>
+          <p:cNvPr id="3" name="Text Placeholder 2"/>
+          <p:cNvSpPr>
+            <a:spLocks noGrp="1"/>
+          </p:cNvSpPr>
+          <p:nvPr>
+            <p:ph type="body" idx="1"/>
+          </p:nvPr>
+        </p:nvSpPr>
+        <p:spPr>
+          <a:xfrm>
+            <a:off x="457200" y="1535113"/>
+            <a:ext cx="4040188" cy="639762"/>
+          </a:xfrm>
+        </p:spPr>
+        <p:txBody>
+          <a:bodyPr anchor="b"/>
+          <a:lstStyle>
+            <a:lvl1pPr marL="0" indent="0">
+              <a:buNone/>
+              <a:defRPr sz="2400" b="1"/>
+            </a:lvl1pPr>
+            <a:lvl2pPr marL="457200" indent="0">
+              <a:buNone/>
+              <a:defRPr sz="2000" b="1"/>
+            </a:lvl2pPr>
+            <a:lvl3pPr marL="914400" indent="0">
+              <a:buNone/>
+              <a:defRPr sz="1800" b="1"/>
+            </a:lvl3pPr>
+            <a:lvl4pPr marL="1371600" indent="0">
+              <a:buNone/>
+              <a:defRPr sz="1600" b="1"/>
+            </a:lvl4pPr>
+            <a:lvl5pPr marL="1828800" indent="0">
+              <a:buNone/>
+              <a:defRPr sz="1600" b="1"/>
+            </a:lvl5pPr>
+            <a:lvl6pPr marL="2286000" indent="0">
+              <a:buNone/>
+              <a:defRPr sz="1600" b="1"/>
+            </a:lvl6pPr>
+            <a:lvl7pPr marL="2743200" indent="0">
+              <a:buNone/>
+              <a:defRPr sz="1600" b="1"/>
+            </a:lvl7pPr>
+            <a:lvl8pPr marL="3200400" indent="0">
+              <a:buNone/>
+              <a:defRPr sz="1600" b="1"/>
+            </a:lvl8pPr>
+            <a:lvl9pPr marL="3657600" indent="0">
+              <a:buNone/>
+              <a:defRPr sz="1600" b="1"/>
+            </a:lvl9pPr>
+          </a:lstStyle>
+          <a:p>
+            <a:pPr lvl="0"/>
+            <a:r>
+              <a:rPr lang="en-US"/>
+              <a:t>Edit Master text styles</a:t>
+            </a:r>
+          </a:p>
+        </p:txBody>
+      </p:sp>
+      <p:sp>
+        <p:nvSpPr>
+          <p:cNvPr id="4" name="Content Placeholder 3"/>
+          <p:cNvSpPr>
+            <a:spLocks noGrp="1"/>
+          </p:cNvSpPr>
+          <p:nvPr>
+            <p:ph sz="half" idx="2"/>
+          </p:nvPr>
+        </p:nvSpPr>
+        <p:spPr>
+          <a:xfrm>
+            <a:off x="457200" y="2174875"/>
+            <a:ext cx="4040188" cy="3951288"/>
+          </a:xfrm>
+        </p:spPr>
+        <p:txBody>
+          <a:bodyPr/>
+          <a:lstStyle>
+            <a:lvl1pPr>
+              <a:defRPr sz="2400"/>
+            </a:lvl1pPr>
+            <a:lvl2pPr>
+              <a:defRPr sz="2000"/>
+            </a:lvl2pPr>
+            <a:lvl3pPr>
+              <a:defRPr sz="1800"/>
+            </a:lvl3pPr>
+            <a:lvl4pPr>
+              <a:defRPr sz="1600"/>
+            </a:lvl4pPr>
+            <a:lvl5pPr>
+              <a:defRPr sz="1600"/>
+            </a:lvl5pPr>
+            <a:lvl6pPr>
+              <a:defRPr sz="1600"/>
+            </a:lvl6pPr>
+            <a:lvl7pPr>
+              <a:defRPr sz="1600"/>
+            </a:lvl7pPr>
+            <a:lvl8pPr>
+              <a:defRPr sz="1600"/>
+            </a:lvl8pPr>
+            <a:lvl9pPr>
+              <a:defRPr sz="1600"/>
+            </a:lvl9pPr>
+          </a:lstStyle>
+          <a:p>
+            <a:pPr lvl="0"/>
+            <a:r>
+              <a:rPr lang="en-US"/>
+              <a:t>Edit Master text styles</a:t>
+            </a:r>
+          </a:p>
+          <a:p>
+            <a:pPr lvl="1"/>
+            <a:r>
+              <a:rPr lang="en-US"/>
+              <a:t>Second level</a:t>
+            </a:r>
+          </a:p>
+          <a:p>
+            <a:pPr lvl="2"/>
+            <a:r>
+              <a:rPr lang="en-US"/>
+              <a:t>Third level</a:t>
+            </a:r>
+          </a:p>
+          <a:p>
+            <a:pPr lvl="3"/>
+            <a:r>
+              <a:rPr lang="en-US"/>
+              <a:t>Fourth level</a:t>
+            </a:r>
+          </a:p>
+          <a:p>
+            <a:pPr lvl="4"/>
+            <a:r>
+              <a:rPr lang="en-US"/>
+              <a:t>Fifth level</a:t>
+            </a:r>
+            <a:endParaRPr lang="sv-SE" dirty="0"/>
+          </a:p>
+        </p:txBody>
+      </p:sp>
+      <p:sp>
+        <p:nvSpPr>
+          <p:cNvPr id="5" name="Text Placeholder 4"/>
+          <p:cNvSpPr>
+            <a:spLocks noGrp="1"/>
+          </p:cNvSpPr>
+          <p:nvPr>
+            <p:ph type="body" sz="quarter" idx="3"/>
+          </p:nvPr>
+        </p:nvSpPr>
+        <p:spPr>
+          <a:xfrm>
+            <a:off x="4645025" y="1535113"/>
+            <a:ext cx="4041775" cy="639762"/>
+          </a:xfrm>
+        </p:spPr>
+        <p:txBody>
+          <a:bodyPr anchor="b"/>
+          <a:lstStyle>
+            <a:lvl1pPr marL="0" indent="0">
+              <a:buNone/>
+              <a:defRPr sz="2400" b="1"/>
+            </a:lvl1pPr>
+            <a:lvl2pPr marL="457200" indent="0">
+              <a:buNone/>
+              <a:defRPr sz="2000" b="1"/>
+            </a:lvl2pPr>
+            <a:lvl3pPr marL="914400" indent="0">
+              <a:buNone/>
+              <a:defRPr sz="1800" b="1"/>
+            </a:lvl3pPr>
+            <a:lvl4pPr marL="1371600" indent="0">
+              <a:buNone/>
+              <a:defRPr sz="1600" b="1"/>
+            </a:lvl4pPr>
+            <a:lvl5pPr marL="1828800" indent="0">
+              <a:buNone/>
+              <a:defRPr sz="1600" b="1"/>
+            </a:lvl5pPr>
+            <a:lvl6pPr marL="2286000" indent="0">
+              <a:buNone/>
+              <a:defRPr sz="1600" b="1"/>
+            </a:lvl6pPr>
+            <a:lvl7pPr marL="2743200" indent="0">
+              <a:buNone/>
+              <a:defRPr sz="1600" b="1"/>
+            </a:lvl7pPr>
+            <a:lvl8pPr marL="3200400" indent="0">
+              <a:buNone/>
+              <a:defRPr sz="1600" b="1"/>
+            </a:lvl8pPr>
+            <a:lvl9pPr marL="3657600" indent="0">
+              <a:buNone/>
+              <a:defRPr sz="1600" b="1"/>
+            </a:lvl9pPr>
+          </a:lstStyle>
+          <a:p>
+            <a:pPr lvl="0"/>
+            <a:r>
+              <a:rPr lang="en-US"/>
+              <a:t>Edit Master text styles</a:t>
+            </a:r>
+          </a:p>
+        </p:txBody>
+      </p:sp>
+      <p:sp>
+        <p:nvSpPr>
+          <p:cNvPr id="6" name="Content Placeholder 5"/>
+          <p:cNvSpPr>
+            <a:spLocks noGrp="1"/>
+          </p:cNvSpPr>
+          <p:nvPr>
+            <p:ph sz="quarter" idx="4"/>
+          </p:nvPr>
+        </p:nvSpPr>
+        <p:spPr>
+          <a:xfrm>
+            <a:off x="4645025" y="2174875"/>
+            <a:ext cx="4041775" cy="3951288"/>
+          </a:xfrm>
+        </p:spPr>
+        <p:txBody>
+          <a:bodyPr/>
+          <a:lstStyle>
+            <a:lvl1pPr>
+              <a:defRPr sz="2400"/>
+            </a:lvl1pPr>
+            <a:lvl2pPr>
+              <a:defRPr sz="2000"/>
+            </a:lvl2pPr>
+            <a:lvl3pPr>
+              <a:defRPr sz="1800"/>
+            </a:lvl3pPr>
+            <a:lvl4pPr>
+              <a:defRPr sz="1600"/>
+            </a:lvl4pPr>
+            <a:lvl5pPr>
+              <a:defRPr sz="1600"/>
+            </a:lvl5pPr>
+            <a:lvl6pPr>
+              <a:defRPr sz="1600"/>
+            </a:lvl6pPr>
+            <a:lvl7pPr>
+              <a:defRPr sz="1600"/>
+            </a:lvl7pPr>
+            <a:lvl8pPr>
+              <a:defRPr sz="1600"/>
+            </a:lvl8pPr>
+            <a:lvl9pPr>
+              <a:defRPr sz="1600"/>
+            </a:lvl9pPr>
+          </a:lstStyle>
+          <a:p>
+            <a:pPr lvl="0"/>
+            <a:r>
+              <a:rPr lang="en-US"/>
+              <a:t>Edit Master text styles</a:t>
+            </a:r>
+          </a:p>
+          <a:p>
+            <a:pPr lvl="1"/>
+            <a:r>
+              <a:rPr lang="en-US"/>
+              <a:t>Second level</a:t>
+            </a:r>
+          </a:p>
+          <a:p>
+            <a:pPr lvl="2"/>
+            <a:r>
+              <a:rPr lang="en-US"/>
+              <a:t>Third level</a:t>
+            </a:r>
+          </a:p>
+          <a:p>
+            <a:pPr lvl="3"/>
+            <a:r>
+              <a:rPr lang="en-US"/>
+              <a:t>Fourth level</a:t>
+            </a:r>
+          </a:p>
+          <a:p>
+            <a:pPr lvl="4"/>
+            <a:r>
+              <a:rPr lang="en-US"/>
+              <a:t>Fifth level</a:t>
+            </a:r>
+            <a:endParaRPr lang="sv-SE" dirty="0"/>
+          </a:p>
+        </p:txBody>
+      </p:sp>
+    </p:spTree>
+    <p:extLst>
+      <p:ext uri="{BB962C8B-B14F-4D97-AF65-F5344CB8AC3E}">
+        <p14:creationId xmlns:p14="http://schemas.microsoft.com/office/powerpoint/2010/main" val="3209244886"/>
+      </p:ext>
+    </p:extLst>
+  </p:cSld>
+  <p:clrMapOvr>
+    <a:masterClrMapping/>
+  </p:clrMapOvr>
+</p:sldLayout>
+</file>
+
+<file path=ppt/slideLayouts/slideLayout18.xml><?xml version="1.0" encoding="utf-8"?>
+<p:sldLayout xmlns:a="http://schemas.openxmlformats.org/drawingml/2006/main" xmlns:r="http://schemas.openxmlformats.org/officeDocument/2006/relationships" xmlns:p="http://schemas.openxmlformats.org/presentationml/2006/main" type="titleOnly" preserve="1">
+  <p:cSld name="Endast rubrik">
+    <p:spTree>
+      <p:nvGrpSpPr>
+        <p:cNvPr id="1" name=""/>
+        <p:cNvGrpSpPr/>
+        <p:nvPr/>
+      </p:nvGrpSpPr>
+      <p:grpSpPr>
+        <a:xfrm>
+          <a:off x="0" y="0"/>
+          <a:ext cx="0" cy="0"/>
+          <a:chOff x="0" y="0"/>
+          <a:chExt cx="0" cy="0"/>
+        </a:xfrm>
+      </p:grpSpPr>
+      <p:sp>
+        <p:nvSpPr>
+          <p:cNvPr id="2" name="Title 1"/>
+          <p:cNvSpPr>
+            <a:spLocks noGrp="1"/>
+          </p:cNvSpPr>
+          <p:nvPr>
+            <p:ph type="title"/>
+          </p:nvPr>
+        </p:nvSpPr>
+        <p:spPr/>
+        <p:txBody>
+          <a:bodyPr/>
+          <a:lstStyle/>
+          <a:p>
+            <a:r>
+              <a:rPr lang="en-US"/>
+              <a:t>Click to edit Master title style</a:t>
+            </a:r>
+            <a:endParaRPr lang="sv-SE"/>
+          </a:p>
+        </p:txBody>
+      </p:sp>
+    </p:spTree>
+    <p:extLst>
+      <p:ext uri="{BB962C8B-B14F-4D97-AF65-F5344CB8AC3E}">
+        <p14:creationId xmlns:p14="http://schemas.microsoft.com/office/powerpoint/2010/main" val="3627002834"/>
+      </p:ext>
+    </p:extLst>
+  </p:cSld>
+  <p:clrMapOvr>
+    <a:masterClrMapping/>
+  </p:clrMapOvr>
+</p:sldLayout>
+</file>
+
+<file path=ppt/slideLayouts/slideLayout19.xml><?xml version="1.0" encoding="utf-8"?>
+<p:sldLayout xmlns:a="http://schemas.openxmlformats.org/drawingml/2006/main" xmlns:r="http://schemas.openxmlformats.org/officeDocument/2006/relationships" xmlns:p="http://schemas.openxmlformats.org/presentationml/2006/main" type="titleOnly" preserve="1">
+  <p:cSld name="Endast rubrik utan logga">
+    <p:spTree>
+      <p:nvGrpSpPr>
+        <p:cNvPr id="1" name=""/>
+        <p:cNvGrpSpPr/>
+        <p:nvPr/>
+      </p:nvGrpSpPr>
+      <p:grpSpPr>
+        <a:xfrm>
+          <a:off x="0" y="0"/>
+          <a:ext cx="0" cy="0"/>
+          <a:chOff x="0" y="0"/>
+          <a:chExt cx="0" cy="0"/>
+        </a:xfrm>
+      </p:grpSpPr>
+      <p:sp>
+        <p:nvSpPr>
+          <p:cNvPr id="2" name="Title 1"/>
+          <p:cNvSpPr>
+            <a:spLocks noGrp="1"/>
+          </p:cNvSpPr>
+          <p:nvPr>
+            <p:ph type="title"/>
+          </p:nvPr>
+        </p:nvSpPr>
+        <p:spPr/>
+        <p:txBody>
+          <a:bodyPr/>
+          <a:lstStyle/>
+          <a:p>
+            <a:r>
+              <a:rPr lang="en-US"/>
+              <a:t>Click to edit Master title style</a:t>
+            </a:r>
+            <a:endParaRPr lang="sv-SE"/>
+          </a:p>
+        </p:txBody>
+      </p:sp>
+      <p:sp>
+        <p:nvSpPr>
+          <p:cNvPr id="3" name="Rectangle 2"/>
+          <p:cNvSpPr/>
+          <p:nvPr/>
+        </p:nvSpPr>
+        <p:spPr bwMode="auto">
+          <a:xfrm>
+            <a:off x="7040947" y="5974854"/>
+            <a:ext cx="2088232" cy="864096"/>
+          </a:xfrm>
+          <a:prstGeom prst="rect">
+            <a:avLst/>
+          </a:prstGeom>
+          <a:solidFill>
+            <a:schemeClr val="accent3"/>
+          </a:solidFill>
+          <a:ln w="9525" cap="flat" cmpd="sng" algn="ctr">
+            <a:solidFill>
+              <a:schemeClr val="bg1"/>
+            </a:solidFill>
+            <a:prstDash val="solid"/>
+            <a:round/>
+            <a:headEnd type="none" w="med" len="med"/>
+            <a:tailEnd type="none" w="med" len="med"/>
+          </a:ln>
+          <a:effectLst/>
+        </p:spPr>
+        <p:txBody>
+          <a:bodyPr vert="horz" wrap="none" lIns="0" tIns="0" rIns="0" bIns="0" numCol="1" rtlCol="0" anchor="ctr" anchorCtr="0" compatLnSpc="1">
+            <a:prstTxWarp prst="textNoShape">
+              <a:avLst/>
+            </a:prstTxWarp>
+          </a:bodyPr>
+          <a:lstStyle/>
+          <a:p>
+            <a:pPr marL="0" marR="0" indent="0" algn="ctr" defTabSz="914400" rtl="0" eaLnBrk="1" fontAlgn="base" latinLnBrk="0" hangingPunct="1">
+              <a:lnSpc>
+                <a:spcPct val="100000"/>
+              </a:lnSpc>
+              <a:spcBef>
+                <a:spcPct val="0"/>
+              </a:spcBef>
+              <a:spcAft>
+                <a:spcPct val="0"/>
+              </a:spcAft>
+              <a:buClr>
+                <a:schemeClr val="bg2"/>
+              </a:buClr>
+              <a:buSzTx/>
+              <a:buFontTx/>
+              <a:buNone/>
+              <a:tabLst/>
+            </a:pPr>
+            <a:endParaRPr kumimoji="0" lang="sv-SE" sz="1600" b="0" i="0" u="none" strike="noStrike" cap="none" normalizeH="0" baseline="0">
+              <a:ln>
+                <a:noFill/>
+              </a:ln>
+              <a:solidFill>
+                <a:schemeClr val="tx1"/>
+              </a:solidFill>
+              <a:effectLst/>
+              <a:latin typeface="Arial" charset="0"/>
+            </a:endParaRPr>
+          </a:p>
+        </p:txBody>
+      </p:sp>
+    </p:spTree>
+    <p:extLst>
+      <p:ext uri="{BB962C8B-B14F-4D97-AF65-F5344CB8AC3E}">
+        <p14:creationId xmlns:p14="http://schemas.microsoft.com/office/powerpoint/2010/main" val="2648364768"/>
+      </p:ext>
+    </p:extLst>
+  </p:cSld>
+  <p:clrMapOvr>
+    <a:masterClrMapping/>
+  </p:clrMapOvr>
+</p:sldLayout>
+</file>
+
 <file path=ppt/slideLayouts/slideLayout2.xml><?xml version="1.0" encoding="utf-8"?>
 <p:sldLayout xmlns:a="http://schemas.openxmlformats.org/drawingml/2006/main" xmlns:r="http://schemas.openxmlformats.org/officeDocument/2006/relationships" xmlns:p="http://schemas.openxmlformats.org/presentationml/2006/main" type="obj" preserve="1">
   <p:cSld name="Title and Content">
@@ -12301,7 +13602,6 @@
               <a:rPr lang="en-US"/>
               <a:t>Click to edit Master title style</a:t>
             </a:r>
-            <a:endParaRPr lang="en-US"/>
           </a:p>
         </p:txBody>
       </p:sp>
@@ -12353,7 +13653,6 @@
               <a:rPr lang="en-US"/>
               <a:t>Fifth level</a:t>
             </a:r>
-            <a:endParaRPr lang="en-US"/>
           </a:p>
         </p:txBody>
       </p:sp>
@@ -12374,7 +13673,7 @@
           <a:p>
             <a:fld id="{ABF2FD4C-D78B-400D-9C49-A448B70A2069}" type="datetimeFigureOut">
               <a:rPr lang="en-US" smtClean="0"/>
-              <a:t>12/9/2016</a:t>
+              <a:t>12/13/2016</a:t>
             </a:fld>
             <a:endParaRPr lang="en-US"/>
           </a:p>
@@ -12426,6 +13725,1092 @@
     <p:extLst>
       <p:ext uri="{BB962C8B-B14F-4D97-AF65-F5344CB8AC3E}">
         <p14:creationId xmlns:p14="http://schemas.microsoft.com/office/powerpoint/2010/main" val="2721538650"/>
+      </p:ext>
+    </p:extLst>
+  </p:cSld>
+  <p:clrMapOvr>
+    <a:masterClrMapping/>
+  </p:clrMapOvr>
+</p:sldLayout>
+</file>
+
+<file path=ppt/slideLayouts/slideLayout20.xml><?xml version="1.0" encoding="utf-8"?>
+<p:sldLayout xmlns:a="http://schemas.openxmlformats.org/drawingml/2006/main" xmlns:r="http://schemas.openxmlformats.org/officeDocument/2006/relationships" xmlns:p="http://schemas.openxmlformats.org/presentationml/2006/main" type="blank" preserve="1">
+  <p:cSld name="Tom">
+    <p:spTree>
+      <p:nvGrpSpPr>
+        <p:cNvPr id="1" name=""/>
+        <p:cNvGrpSpPr/>
+        <p:nvPr/>
+      </p:nvGrpSpPr>
+      <p:grpSpPr>
+        <a:xfrm>
+          <a:off x="0" y="0"/>
+          <a:ext cx="0" cy="0"/>
+          <a:chOff x="0" y="0"/>
+          <a:chExt cx="0" cy="0"/>
+        </a:xfrm>
+      </p:grpSpPr>
+    </p:spTree>
+    <p:extLst>
+      <p:ext uri="{BB962C8B-B14F-4D97-AF65-F5344CB8AC3E}">
+        <p14:creationId xmlns:p14="http://schemas.microsoft.com/office/powerpoint/2010/main" val="4103214350"/>
+      </p:ext>
+    </p:extLst>
+  </p:cSld>
+  <p:clrMapOvr>
+    <a:masterClrMapping/>
+  </p:clrMapOvr>
+</p:sldLayout>
+</file>
+
+<file path=ppt/slideLayouts/slideLayout21.xml><?xml version="1.0" encoding="utf-8"?>
+<p:sldLayout xmlns:a="http://schemas.openxmlformats.org/drawingml/2006/main" xmlns:r="http://schemas.openxmlformats.org/officeDocument/2006/relationships" xmlns:p="http://schemas.openxmlformats.org/presentationml/2006/main" showMasterSp="0" type="titleOnly" preserve="1">
+  <p:cSld name="Helt tom med rubrik">
+    <p:spTree>
+      <p:nvGrpSpPr>
+        <p:cNvPr id="1" name=""/>
+        <p:cNvGrpSpPr/>
+        <p:nvPr/>
+      </p:nvGrpSpPr>
+      <p:grpSpPr>
+        <a:xfrm>
+          <a:off x="0" y="0"/>
+          <a:ext cx="0" cy="0"/>
+          <a:chOff x="0" y="0"/>
+          <a:chExt cx="0" cy="0"/>
+        </a:xfrm>
+      </p:grpSpPr>
+      <p:sp>
+        <p:nvSpPr>
+          <p:cNvPr id="2" name="Title 1"/>
+          <p:cNvSpPr>
+            <a:spLocks noGrp="1"/>
+          </p:cNvSpPr>
+          <p:nvPr>
+            <p:ph type="title"/>
+          </p:nvPr>
+        </p:nvSpPr>
+        <p:spPr/>
+        <p:txBody>
+          <a:bodyPr/>
+          <a:lstStyle/>
+          <a:p>
+            <a:r>
+              <a:rPr lang="en-US"/>
+              <a:t>Click to edit Master title style</a:t>
+            </a:r>
+            <a:endParaRPr lang="sv-SE"/>
+          </a:p>
+        </p:txBody>
+      </p:sp>
+    </p:spTree>
+    <p:extLst>
+      <p:ext uri="{BB962C8B-B14F-4D97-AF65-F5344CB8AC3E}">
+        <p14:creationId xmlns:p14="http://schemas.microsoft.com/office/powerpoint/2010/main" val="2098934662"/>
+      </p:ext>
+    </p:extLst>
+  </p:cSld>
+  <p:clrMapOvr>
+    <a:masterClrMapping/>
+  </p:clrMapOvr>
+</p:sldLayout>
+</file>
+
+<file path=ppt/slideLayouts/slideLayout22.xml><?xml version="1.0" encoding="utf-8"?>
+<p:sldLayout xmlns:a="http://schemas.openxmlformats.org/drawingml/2006/main" xmlns:r="http://schemas.openxmlformats.org/officeDocument/2006/relationships" xmlns:p="http://schemas.openxmlformats.org/presentationml/2006/main" showMasterSp="0" type="blank" preserve="1">
+  <p:cSld name="HeltTom">
+    <p:spTree>
+      <p:nvGrpSpPr>
+        <p:cNvPr id="1" name=""/>
+        <p:cNvGrpSpPr/>
+        <p:nvPr/>
+      </p:nvGrpSpPr>
+      <p:grpSpPr>
+        <a:xfrm>
+          <a:off x="0" y="0"/>
+          <a:ext cx="0" cy="0"/>
+          <a:chOff x="0" y="0"/>
+          <a:chExt cx="0" cy="0"/>
+        </a:xfrm>
+      </p:grpSpPr>
+    </p:spTree>
+    <p:extLst>
+      <p:ext uri="{BB962C8B-B14F-4D97-AF65-F5344CB8AC3E}">
+        <p14:creationId xmlns:p14="http://schemas.microsoft.com/office/powerpoint/2010/main" val="138950386"/>
+      </p:ext>
+    </p:extLst>
+  </p:cSld>
+  <p:clrMapOvr>
+    <a:masterClrMapping/>
+  </p:clrMapOvr>
+</p:sldLayout>
+</file>
+
+<file path=ppt/slideLayouts/slideLayout23.xml><?xml version="1.0" encoding="utf-8"?>
+<p:sldLayout xmlns:a="http://schemas.openxmlformats.org/drawingml/2006/main" xmlns:r="http://schemas.openxmlformats.org/officeDocument/2006/relationships" xmlns:p="http://schemas.openxmlformats.org/presentationml/2006/main" type="objTx" preserve="1">
+  <p:cSld name="Innehåll med bildtext">
+    <p:spTree>
+      <p:nvGrpSpPr>
+        <p:cNvPr id="1" name=""/>
+        <p:cNvGrpSpPr/>
+        <p:nvPr/>
+      </p:nvGrpSpPr>
+      <p:grpSpPr>
+        <a:xfrm>
+          <a:off x="0" y="0"/>
+          <a:ext cx="0" cy="0"/>
+          <a:chOff x="0" y="0"/>
+          <a:chExt cx="0" cy="0"/>
+        </a:xfrm>
+      </p:grpSpPr>
+      <p:sp>
+        <p:nvSpPr>
+          <p:cNvPr id="2" name="Title 1"/>
+          <p:cNvSpPr>
+            <a:spLocks noGrp="1"/>
+          </p:cNvSpPr>
+          <p:nvPr>
+            <p:ph type="title"/>
+          </p:nvPr>
+        </p:nvSpPr>
+        <p:spPr>
+          <a:xfrm>
+            <a:off x="457200" y="273050"/>
+            <a:ext cx="3008313" cy="1162050"/>
+          </a:xfrm>
+        </p:spPr>
+        <p:txBody>
+          <a:bodyPr anchor="b"/>
+          <a:lstStyle>
+            <a:lvl1pPr algn="l">
+              <a:defRPr sz="2000" b="1"/>
+            </a:lvl1pPr>
+          </a:lstStyle>
+          <a:p>
+            <a:r>
+              <a:rPr lang="en-US"/>
+              <a:t>Click to edit Master title style</a:t>
+            </a:r>
+            <a:endParaRPr lang="sv-SE"/>
+          </a:p>
+        </p:txBody>
+      </p:sp>
+      <p:sp>
+        <p:nvSpPr>
+          <p:cNvPr id="3" name="Content Placeholder 2"/>
+          <p:cNvSpPr>
+            <a:spLocks noGrp="1"/>
+          </p:cNvSpPr>
+          <p:nvPr>
+            <p:ph idx="1"/>
+          </p:nvPr>
+        </p:nvSpPr>
+        <p:spPr>
+          <a:xfrm>
+            <a:off x="3575050" y="273050"/>
+            <a:ext cx="5111750" cy="5853113"/>
+          </a:xfrm>
+        </p:spPr>
+        <p:txBody>
+          <a:bodyPr/>
+          <a:lstStyle>
+            <a:lvl1pPr>
+              <a:defRPr sz="3200"/>
+            </a:lvl1pPr>
+            <a:lvl2pPr>
+              <a:defRPr sz="2800"/>
+            </a:lvl2pPr>
+            <a:lvl3pPr>
+              <a:defRPr sz="2400"/>
+            </a:lvl3pPr>
+            <a:lvl4pPr>
+              <a:defRPr sz="2000"/>
+            </a:lvl4pPr>
+            <a:lvl5pPr>
+              <a:defRPr sz="2000"/>
+            </a:lvl5pPr>
+            <a:lvl6pPr>
+              <a:defRPr sz="2000"/>
+            </a:lvl6pPr>
+            <a:lvl7pPr>
+              <a:defRPr sz="2000"/>
+            </a:lvl7pPr>
+            <a:lvl8pPr>
+              <a:defRPr sz="2000"/>
+            </a:lvl8pPr>
+            <a:lvl9pPr>
+              <a:defRPr sz="2000"/>
+            </a:lvl9pPr>
+          </a:lstStyle>
+          <a:p>
+            <a:pPr lvl="0"/>
+            <a:r>
+              <a:rPr lang="en-US"/>
+              <a:t>Edit Master text styles</a:t>
+            </a:r>
+          </a:p>
+          <a:p>
+            <a:pPr lvl="1"/>
+            <a:r>
+              <a:rPr lang="en-US"/>
+              <a:t>Second level</a:t>
+            </a:r>
+          </a:p>
+          <a:p>
+            <a:pPr lvl="2"/>
+            <a:r>
+              <a:rPr lang="en-US"/>
+              <a:t>Third level</a:t>
+            </a:r>
+          </a:p>
+          <a:p>
+            <a:pPr lvl="3"/>
+            <a:r>
+              <a:rPr lang="en-US"/>
+              <a:t>Fourth level</a:t>
+            </a:r>
+          </a:p>
+          <a:p>
+            <a:pPr lvl="4"/>
+            <a:r>
+              <a:rPr lang="en-US"/>
+              <a:t>Fifth level</a:t>
+            </a:r>
+            <a:endParaRPr lang="sv-SE"/>
+          </a:p>
+        </p:txBody>
+      </p:sp>
+      <p:sp>
+        <p:nvSpPr>
+          <p:cNvPr id="4" name="Text Placeholder 3"/>
+          <p:cNvSpPr>
+            <a:spLocks noGrp="1"/>
+          </p:cNvSpPr>
+          <p:nvPr>
+            <p:ph type="body" sz="half" idx="2"/>
+          </p:nvPr>
+        </p:nvSpPr>
+        <p:spPr>
+          <a:xfrm>
+            <a:off x="457200" y="1435100"/>
+            <a:ext cx="3008313" cy="4691063"/>
+          </a:xfrm>
+        </p:spPr>
+        <p:txBody>
+          <a:bodyPr/>
+          <a:lstStyle>
+            <a:lvl1pPr marL="0" indent="0">
+              <a:buNone/>
+              <a:defRPr sz="1400"/>
+            </a:lvl1pPr>
+            <a:lvl2pPr marL="457200" indent="0">
+              <a:buNone/>
+              <a:defRPr sz="1200"/>
+            </a:lvl2pPr>
+            <a:lvl3pPr marL="914400" indent="0">
+              <a:buNone/>
+              <a:defRPr sz="1000"/>
+            </a:lvl3pPr>
+            <a:lvl4pPr marL="1371600" indent="0">
+              <a:buNone/>
+              <a:defRPr sz="900"/>
+            </a:lvl4pPr>
+            <a:lvl5pPr marL="1828800" indent="0">
+              <a:buNone/>
+              <a:defRPr sz="900"/>
+            </a:lvl5pPr>
+            <a:lvl6pPr marL="2286000" indent="0">
+              <a:buNone/>
+              <a:defRPr sz="900"/>
+            </a:lvl6pPr>
+            <a:lvl7pPr marL="2743200" indent="0">
+              <a:buNone/>
+              <a:defRPr sz="900"/>
+            </a:lvl7pPr>
+            <a:lvl8pPr marL="3200400" indent="0">
+              <a:buNone/>
+              <a:defRPr sz="900"/>
+            </a:lvl8pPr>
+            <a:lvl9pPr marL="3657600" indent="0">
+              <a:buNone/>
+              <a:defRPr sz="900"/>
+            </a:lvl9pPr>
+          </a:lstStyle>
+          <a:p>
+            <a:pPr lvl="0"/>
+            <a:r>
+              <a:rPr lang="en-US"/>
+              <a:t>Edit Master text styles</a:t>
+            </a:r>
+          </a:p>
+        </p:txBody>
+      </p:sp>
+    </p:spTree>
+    <p:extLst>
+      <p:ext uri="{BB962C8B-B14F-4D97-AF65-F5344CB8AC3E}">
+        <p14:creationId xmlns:p14="http://schemas.microsoft.com/office/powerpoint/2010/main" val="450112842"/>
+      </p:ext>
+    </p:extLst>
+  </p:cSld>
+  <p:clrMapOvr>
+    <a:masterClrMapping/>
+  </p:clrMapOvr>
+</p:sldLayout>
+</file>
+
+<file path=ppt/slideLayouts/slideLayout24.xml><?xml version="1.0" encoding="utf-8"?>
+<p:sldLayout xmlns:a="http://schemas.openxmlformats.org/drawingml/2006/main" xmlns:r="http://schemas.openxmlformats.org/officeDocument/2006/relationships" xmlns:p="http://schemas.openxmlformats.org/presentationml/2006/main" type="picTx" preserve="1">
+  <p:cSld name="Bild med bildtext">
+    <p:spTree>
+      <p:nvGrpSpPr>
+        <p:cNvPr id="1" name=""/>
+        <p:cNvGrpSpPr/>
+        <p:nvPr/>
+      </p:nvGrpSpPr>
+      <p:grpSpPr>
+        <a:xfrm>
+          <a:off x="0" y="0"/>
+          <a:ext cx="0" cy="0"/>
+          <a:chOff x="0" y="0"/>
+          <a:chExt cx="0" cy="0"/>
+        </a:xfrm>
+      </p:grpSpPr>
+      <p:sp>
+        <p:nvSpPr>
+          <p:cNvPr id="2" name="Title 1"/>
+          <p:cNvSpPr>
+            <a:spLocks noGrp="1"/>
+          </p:cNvSpPr>
+          <p:nvPr>
+            <p:ph type="title"/>
+          </p:nvPr>
+        </p:nvSpPr>
+        <p:spPr>
+          <a:xfrm>
+            <a:off x="1792288" y="4800600"/>
+            <a:ext cx="5486400" cy="566738"/>
+          </a:xfrm>
+        </p:spPr>
+        <p:txBody>
+          <a:bodyPr anchor="b"/>
+          <a:lstStyle>
+            <a:lvl1pPr algn="l">
+              <a:defRPr sz="2000" b="1"/>
+            </a:lvl1pPr>
+          </a:lstStyle>
+          <a:p>
+            <a:r>
+              <a:rPr lang="en-US"/>
+              <a:t>Click to edit Master title style</a:t>
+            </a:r>
+            <a:endParaRPr lang="sv-SE"/>
+          </a:p>
+        </p:txBody>
+      </p:sp>
+      <p:sp>
+        <p:nvSpPr>
+          <p:cNvPr id="3" name="Picture Placeholder 2"/>
+          <p:cNvSpPr>
+            <a:spLocks noGrp="1"/>
+          </p:cNvSpPr>
+          <p:nvPr>
+            <p:ph type="pic" idx="1"/>
+          </p:nvPr>
+        </p:nvSpPr>
+        <p:spPr>
+          <a:xfrm>
+            <a:off x="1792288" y="612775"/>
+            <a:ext cx="5486400" cy="4114800"/>
+          </a:xfrm>
+        </p:spPr>
+        <p:txBody>
+          <a:bodyPr/>
+          <a:lstStyle>
+            <a:lvl1pPr marL="0" indent="0">
+              <a:buNone/>
+              <a:defRPr sz="3200"/>
+            </a:lvl1pPr>
+            <a:lvl2pPr marL="457200" indent="0">
+              <a:buNone/>
+              <a:defRPr sz="2800"/>
+            </a:lvl2pPr>
+            <a:lvl3pPr marL="914400" indent="0">
+              <a:buNone/>
+              <a:defRPr sz="2400"/>
+            </a:lvl3pPr>
+            <a:lvl4pPr marL="1371600" indent="0">
+              <a:buNone/>
+              <a:defRPr sz="2000"/>
+            </a:lvl4pPr>
+            <a:lvl5pPr marL="1828800" indent="0">
+              <a:buNone/>
+              <a:defRPr sz="2000"/>
+            </a:lvl5pPr>
+            <a:lvl6pPr marL="2286000" indent="0">
+              <a:buNone/>
+              <a:defRPr sz="2000"/>
+            </a:lvl6pPr>
+            <a:lvl7pPr marL="2743200" indent="0">
+              <a:buNone/>
+              <a:defRPr sz="2000"/>
+            </a:lvl7pPr>
+            <a:lvl8pPr marL="3200400" indent="0">
+              <a:buNone/>
+              <a:defRPr sz="2000"/>
+            </a:lvl8pPr>
+            <a:lvl9pPr marL="3657600" indent="0">
+              <a:buNone/>
+              <a:defRPr sz="2000"/>
+            </a:lvl9pPr>
+          </a:lstStyle>
+          <a:p>
+            <a:pPr lvl="0"/>
+            <a:r>
+              <a:rPr lang="en-US" noProof="0"/>
+              <a:t>Click icon to add picture</a:t>
+            </a:r>
+            <a:endParaRPr lang="sv-SE" noProof="0"/>
+          </a:p>
+        </p:txBody>
+      </p:sp>
+      <p:sp>
+        <p:nvSpPr>
+          <p:cNvPr id="4" name="Text Placeholder 3"/>
+          <p:cNvSpPr>
+            <a:spLocks noGrp="1"/>
+          </p:cNvSpPr>
+          <p:nvPr>
+            <p:ph type="body" sz="half" idx="2"/>
+          </p:nvPr>
+        </p:nvSpPr>
+        <p:spPr>
+          <a:xfrm>
+            <a:off x="1792288" y="5367338"/>
+            <a:ext cx="5486400" cy="804862"/>
+          </a:xfrm>
+        </p:spPr>
+        <p:txBody>
+          <a:bodyPr/>
+          <a:lstStyle>
+            <a:lvl1pPr marL="0" indent="0">
+              <a:buNone/>
+              <a:defRPr sz="1400"/>
+            </a:lvl1pPr>
+            <a:lvl2pPr marL="457200" indent="0">
+              <a:buNone/>
+              <a:defRPr sz="1200"/>
+            </a:lvl2pPr>
+            <a:lvl3pPr marL="914400" indent="0">
+              <a:buNone/>
+              <a:defRPr sz="1000"/>
+            </a:lvl3pPr>
+            <a:lvl4pPr marL="1371600" indent="0">
+              <a:buNone/>
+              <a:defRPr sz="900"/>
+            </a:lvl4pPr>
+            <a:lvl5pPr marL="1828800" indent="0">
+              <a:buNone/>
+              <a:defRPr sz="900"/>
+            </a:lvl5pPr>
+            <a:lvl6pPr marL="2286000" indent="0">
+              <a:buNone/>
+              <a:defRPr sz="900"/>
+            </a:lvl6pPr>
+            <a:lvl7pPr marL="2743200" indent="0">
+              <a:buNone/>
+              <a:defRPr sz="900"/>
+            </a:lvl7pPr>
+            <a:lvl8pPr marL="3200400" indent="0">
+              <a:buNone/>
+              <a:defRPr sz="900"/>
+            </a:lvl8pPr>
+            <a:lvl9pPr marL="3657600" indent="0">
+              <a:buNone/>
+              <a:defRPr sz="900"/>
+            </a:lvl9pPr>
+          </a:lstStyle>
+          <a:p>
+            <a:pPr lvl="0"/>
+            <a:r>
+              <a:rPr lang="en-US"/>
+              <a:t>Edit Master text styles</a:t>
+            </a:r>
+          </a:p>
+        </p:txBody>
+      </p:sp>
+    </p:spTree>
+    <p:extLst>
+      <p:ext uri="{BB962C8B-B14F-4D97-AF65-F5344CB8AC3E}">
+        <p14:creationId xmlns:p14="http://schemas.microsoft.com/office/powerpoint/2010/main" val="969578645"/>
+      </p:ext>
+    </p:extLst>
+  </p:cSld>
+  <p:clrMapOvr>
+    <a:masterClrMapping/>
+  </p:clrMapOvr>
+</p:sldLayout>
+</file>
+
+<file path=ppt/slideLayouts/slideLayout25.xml><?xml version="1.0" encoding="utf-8"?>
+<p:sldLayout xmlns:a="http://schemas.openxmlformats.org/drawingml/2006/main" xmlns:r="http://schemas.openxmlformats.org/officeDocument/2006/relationships" xmlns:p="http://schemas.openxmlformats.org/presentationml/2006/main" type="vertTx" preserve="1">
+  <p:cSld name="Rubrik och lodrät text">
+    <p:spTree>
+      <p:nvGrpSpPr>
+        <p:cNvPr id="1" name=""/>
+        <p:cNvGrpSpPr/>
+        <p:nvPr/>
+      </p:nvGrpSpPr>
+      <p:grpSpPr>
+        <a:xfrm>
+          <a:off x="0" y="0"/>
+          <a:ext cx="0" cy="0"/>
+          <a:chOff x="0" y="0"/>
+          <a:chExt cx="0" cy="0"/>
+        </a:xfrm>
+      </p:grpSpPr>
+      <p:sp>
+        <p:nvSpPr>
+          <p:cNvPr id="2" name="Title 1"/>
+          <p:cNvSpPr>
+            <a:spLocks noGrp="1"/>
+          </p:cNvSpPr>
+          <p:nvPr>
+            <p:ph type="title"/>
+          </p:nvPr>
+        </p:nvSpPr>
+        <p:spPr/>
+        <p:txBody>
+          <a:bodyPr/>
+          <a:lstStyle/>
+          <a:p>
+            <a:r>
+              <a:rPr lang="en-US"/>
+              <a:t>Click to edit Master title style</a:t>
+            </a:r>
+            <a:endParaRPr lang="sv-SE"/>
+          </a:p>
+        </p:txBody>
+      </p:sp>
+      <p:sp>
+        <p:nvSpPr>
+          <p:cNvPr id="3" name="Vertical Text Placeholder 2"/>
+          <p:cNvSpPr>
+            <a:spLocks noGrp="1"/>
+          </p:cNvSpPr>
+          <p:nvPr>
+            <p:ph type="body" orient="vert" idx="1"/>
+          </p:nvPr>
+        </p:nvSpPr>
+        <p:spPr/>
+        <p:txBody>
+          <a:bodyPr vert="eaVert"/>
+          <a:lstStyle/>
+          <a:p>
+            <a:pPr lvl="0"/>
+            <a:r>
+              <a:rPr lang="en-US"/>
+              <a:t>Edit Master text styles</a:t>
+            </a:r>
+          </a:p>
+          <a:p>
+            <a:pPr lvl="1"/>
+            <a:r>
+              <a:rPr lang="en-US"/>
+              <a:t>Second level</a:t>
+            </a:r>
+          </a:p>
+          <a:p>
+            <a:pPr lvl="2"/>
+            <a:r>
+              <a:rPr lang="en-US"/>
+              <a:t>Third level</a:t>
+            </a:r>
+          </a:p>
+          <a:p>
+            <a:pPr lvl="3"/>
+            <a:r>
+              <a:rPr lang="en-US"/>
+              <a:t>Fourth level</a:t>
+            </a:r>
+          </a:p>
+          <a:p>
+            <a:pPr lvl="4"/>
+            <a:r>
+              <a:rPr lang="en-US"/>
+              <a:t>Fifth level</a:t>
+            </a:r>
+            <a:endParaRPr lang="sv-SE"/>
+          </a:p>
+        </p:txBody>
+      </p:sp>
+    </p:spTree>
+    <p:extLst>
+      <p:ext uri="{BB962C8B-B14F-4D97-AF65-F5344CB8AC3E}">
+        <p14:creationId xmlns:p14="http://schemas.microsoft.com/office/powerpoint/2010/main" val="3400865971"/>
+      </p:ext>
+    </p:extLst>
+  </p:cSld>
+  <p:clrMapOvr>
+    <a:masterClrMapping/>
+  </p:clrMapOvr>
+</p:sldLayout>
+</file>
+
+<file path=ppt/slideLayouts/slideLayout26.xml><?xml version="1.0" encoding="utf-8"?>
+<p:sldLayout xmlns:a="http://schemas.openxmlformats.org/drawingml/2006/main" xmlns:r="http://schemas.openxmlformats.org/officeDocument/2006/relationships" xmlns:p="http://schemas.openxmlformats.org/presentationml/2006/main" type="vertTitleAndTx" preserve="1">
+  <p:cSld name="Lodrät rubrik och text">
+    <p:spTree>
+      <p:nvGrpSpPr>
+        <p:cNvPr id="1" name=""/>
+        <p:cNvGrpSpPr/>
+        <p:nvPr/>
+      </p:nvGrpSpPr>
+      <p:grpSpPr>
+        <a:xfrm>
+          <a:off x="0" y="0"/>
+          <a:ext cx="0" cy="0"/>
+          <a:chOff x="0" y="0"/>
+          <a:chExt cx="0" cy="0"/>
+        </a:xfrm>
+      </p:grpSpPr>
+      <p:sp>
+        <p:nvSpPr>
+          <p:cNvPr id="2" name="Vertical Title 1"/>
+          <p:cNvSpPr>
+            <a:spLocks noGrp="1"/>
+          </p:cNvSpPr>
+          <p:nvPr>
+            <p:ph type="title" orient="vert"/>
+          </p:nvPr>
+        </p:nvSpPr>
+        <p:spPr>
+          <a:xfrm>
+            <a:off x="6661150" y="765175"/>
+            <a:ext cx="2087563" cy="5327650"/>
+          </a:xfrm>
+        </p:spPr>
+        <p:txBody>
+          <a:bodyPr vert="eaVert"/>
+          <a:lstStyle/>
+          <a:p>
+            <a:r>
+              <a:rPr lang="en-US"/>
+              <a:t>Click to edit Master title style</a:t>
+            </a:r>
+            <a:endParaRPr lang="sv-SE"/>
+          </a:p>
+        </p:txBody>
+      </p:sp>
+      <p:sp>
+        <p:nvSpPr>
+          <p:cNvPr id="3" name="Vertical Text Placeholder 2"/>
+          <p:cNvSpPr>
+            <a:spLocks noGrp="1"/>
+          </p:cNvSpPr>
+          <p:nvPr>
+            <p:ph type="body" orient="vert" idx="1"/>
+          </p:nvPr>
+        </p:nvSpPr>
+        <p:spPr>
+          <a:xfrm>
+            <a:off x="395288" y="765175"/>
+            <a:ext cx="6113462" cy="5327650"/>
+          </a:xfrm>
+        </p:spPr>
+        <p:txBody>
+          <a:bodyPr vert="eaVert"/>
+          <a:lstStyle/>
+          <a:p>
+            <a:pPr lvl="0"/>
+            <a:r>
+              <a:rPr lang="en-US"/>
+              <a:t>Edit Master text styles</a:t>
+            </a:r>
+          </a:p>
+          <a:p>
+            <a:pPr lvl="1"/>
+            <a:r>
+              <a:rPr lang="en-US"/>
+              <a:t>Second level</a:t>
+            </a:r>
+          </a:p>
+          <a:p>
+            <a:pPr lvl="2"/>
+            <a:r>
+              <a:rPr lang="en-US"/>
+              <a:t>Third level</a:t>
+            </a:r>
+          </a:p>
+          <a:p>
+            <a:pPr lvl="3"/>
+            <a:r>
+              <a:rPr lang="en-US"/>
+              <a:t>Fourth level</a:t>
+            </a:r>
+          </a:p>
+          <a:p>
+            <a:pPr lvl="4"/>
+            <a:r>
+              <a:rPr lang="en-US"/>
+              <a:t>Fifth level</a:t>
+            </a:r>
+            <a:endParaRPr lang="sv-SE"/>
+          </a:p>
+        </p:txBody>
+      </p:sp>
+    </p:spTree>
+    <p:extLst>
+      <p:ext uri="{BB962C8B-B14F-4D97-AF65-F5344CB8AC3E}">
+        <p14:creationId xmlns:p14="http://schemas.microsoft.com/office/powerpoint/2010/main" val="1678359722"/>
+      </p:ext>
+    </p:extLst>
+  </p:cSld>
+  <p:clrMapOvr>
+    <a:masterClrMapping/>
+  </p:clrMapOvr>
+</p:sldLayout>
+</file>
+
+<file path=ppt/slideLayouts/slideLayout27.xml><?xml version="1.0" encoding="utf-8"?>
+<p:sldLayout xmlns:a="http://schemas.openxmlformats.org/drawingml/2006/main" xmlns:r="http://schemas.openxmlformats.org/officeDocument/2006/relationships" xmlns:p="http://schemas.openxmlformats.org/presentationml/2006/main" type="tbl">
+  <p:cSld name="Title and Table">
+    <p:spTree>
+      <p:nvGrpSpPr>
+        <p:cNvPr id="1" name=""/>
+        <p:cNvGrpSpPr/>
+        <p:nvPr/>
+      </p:nvGrpSpPr>
+      <p:grpSpPr>
+        <a:xfrm>
+          <a:off x="0" y="0"/>
+          <a:ext cx="0" cy="0"/>
+          <a:chOff x="0" y="0"/>
+          <a:chExt cx="0" cy="0"/>
+        </a:xfrm>
+      </p:grpSpPr>
+      <p:sp>
+        <p:nvSpPr>
+          <p:cNvPr id="2" name="Title 1"/>
+          <p:cNvSpPr>
+            <a:spLocks noGrp="1"/>
+          </p:cNvSpPr>
+          <p:nvPr>
+            <p:ph type="title"/>
+          </p:nvPr>
+        </p:nvSpPr>
+        <p:spPr>
+          <a:xfrm>
+            <a:off x="460375" y="167357"/>
+            <a:ext cx="7773988" cy="741363"/>
+          </a:xfrm>
+        </p:spPr>
+        <p:txBody>
+          <a:bodyPr/>
+          <a:lstStyle/>
+          <a:p>
+            <a:r>
+              <a:rPr lang="en-US"/>
+              <a:t>Click to edit Master title style</a:t>
+            </a:r>
+          </a:p>
+        </p:txBody>
+      </p:sp>
+      <p:sp>
+        <p:nvSpPr>
+          <p:cNvPr id="3" name="Table Placeholder 2"/>
+          <p:cNvSpPr>
+            <a:spLocks noGrp="1"/>
+          </p:cNvSpPr>
+          <p:nvPr>
+            <p:ph type="tbl" idx="1"/>
+          </p:nvPr>
+        </p:nvSpPr>
+        <p:spPr>
+          <a:xfrm>
+            <a:off x="458788" y="992188"/>
+            <a:ext cx="7751762" cy="4386262"/>
+          </a:xfrm>
+        </p:spPr>
+        <p:txBody>
+          <a:bodyPr/>
+          <a:lstStyle/>
+          <a:p>
+            <a:pPr lvl="0"/>
+            <a:r>
+              <a:rPr lang="en-US" noProof="0"/>
+              <a:t>Click icon to add table</a:t>
+            </a:r>
+          </a:p>
+        </p:txBody>
+      </p:sp>
+    </p:spTree>
+    <p:extLst>
+      <p:ext uri="{BB962C8B-B14F-4D97-AF65-F5344CB8AC3E}">
+        <p14:creationId xmlns:p14="http://schemas.microsoft.com/office/powerpoint/2010/main" val="2456569847"/>
+      </p:ext>
+    </p:extLst>
+  </p:cSld>
+  <p:clrMapOvr>
+    <a:masterClrMapping/>
+  </p:clrMapOvr>
+</p:sldLayout>
+</file>
+
+<file path=ppt/slideLayouts/slideLayout28.xml><?xml version="1.0" encoding="utf-8"?>
+<p:sldLayout xmlns:a="http://schemas.openxmlformats.org/drawingml/2006/main" xmlns:r="http://schemas.openxmlformats.org/officeDocument/2006/relationships" xmlns:p="http://schemas.openxmlformats.org/presentationml/2006/main">
+  <p:cSld name="1_Title and Content">
+    <p:spTree>
+      <p:nvGrpSpPr>
+        <p:cNvPr id="1" name=""/>
+        <p:cNvGrpSpPr/>
+        <p:nvPr/>
+      </p:nvGrpSpPr>
+      <p:grpSpPr>
+        <a:xfrm>
+          <a:off x="0" y="0"/>
+          <a:ext cx="0" cy="0"/>
+          <a:chOff x="0" y="0"/>
+          <a:chExt cx="0" cy="0"/>
+        </a:xfrm>
+      </p:grpSpPr>
+      <p:sp>
+        <p:nvSpPr>
+          <p:cNvPr id="2" name="Title 1"/>
+          <p:cNvSpPr>
+            <a:spLocks noGrp="1"/>
+          </p:cNvSpPr>
+          <p:nvPr>
+            <p:ph type="title"/>
+          </p:nvPr>
+        </p:nvSpPr>
+        <p:spPr/>
+        <p:txBody>
+          <a:bodyPr/>
+          <a:lstStyle>
+            <a:lvl1pPr>
+              <a:defRPr>
+                <a:latin typeface="+mj-lt"/>
+              </a:defRPr>
+            </a:lvl1pPr>
+          </a:lstStyle>
+          <a:p>
+            <a:r>
+              <a:rPr lang="en-US"/>
+              <a:t>Click to edit Master title style</a:t>
+            </a:r>
+            <a:endParaRPr lang="en-US" dirty="0"/>
+          </a:p>
+        </p:txBody>
+      </p:sp>
+      <p:sp>
+        <p:nvSpPr>
+          <p:cNvPr id="6" name="Text Placeholder 5"/>
+          <p:cNvSpPr>
+            <a:spLocks noGrp="1"/>
+          </p:cNvSpPr>
+          <p:nvPr>
+            <p:ph type="body" sz="quarter" idx="10"/>
+          </p:nvPr>
+        </p:nvSpPr>
+        <p:spPr>
+          <a:xfrm>
+            <a:off x="381000" y="1411552"/>
+            <a:ext cx="8382000" cy="2210862"/>
+          </a:xfrm>
+        </p:spPr>
+        <p:txBody>
+          <a:bodyPr/>
+          <a:lstStyle>
+            <a:lvl1pPr>
+              <a:lnSpc>
+                <a:spcPct val="90000"/>
+              </a:lnSpc>
+              <a:defRPr>
+                <a:latin typeface="+mn-lt"/>
+              </a:defRPr>
+            </a:lvl1pPr>
+            <a:lvl2pPr>
+              <a:lnSpc>
+                <a:spcPct val="90000"/>
+              </a:lnSpc>
+              <a:defRPr>
+                <a:latin typeface="+mn-lt"/>
+              </a:defRPr>
+            </a:lvl2pPr>
+            <a:lvl3pPr>
+              <a:lnSpc>
+                <a:spcPct val="90000"/>
+              </a:lnSpc>
+              <a:defRPr>
+                <a:latin typeface="+mn-lt"/>
+              </a:defRPr>
+            </a:lvl3pPr>
+            <a:lvl4pPr>
+              <a:lnSpc>
+                <a:spcPct val="90000"/>
+              </a:lnSpc>
+              <a:defRPr>
+                <a:latin typeface="+mn-lt"/>
+              </a:defRPr>
+            </a:lvl4pPr>
+            <a:lvl5pPr>
+              <a:lnSpc>
+                <a:spcPct val="90000"/>
+              </a:lnSpc>
+              <a:defRPr>
+                <a:latin typeface="+mn-lt"/>
+              </a:defRPr>
+            </a:lvl5pPr>
+          </a:lstStyle>
+          <a:p>
+            <a:pPr lvl="0"/>
+            <a:r>
+              <a:rPr lang="en-US"/>
+              <a:t>Edit Master text styles</a:t>
+            </a:r>
+          </a:p>
+          <a:p>
+            <a:pPr lvl="1"/>
+            <a:r>
+              <a:rPr lang="en-US"/>
+              <a:t>Second level</a:t>
+            </a:r>
+          </a:p>
+          <a:p>
+            <a:pPr lvl="2"/>
+            <a:r>
+              <a:rPr lang="en-US"/>
+              <a:t>Third level</a:t>
+            </a:r>
+          </a:p>
+          <a:p>
+            <a:pPr lvl="3"/>
+            <a:r>
+              <a:rPr lang="en-US"/>
+              <a:t>Fourth level</a:t>
+            </a:r>
+          </a:p>
+          <a:p>
+            <a:pPr lvl="4"/>
+            <a:r>
+              <a:rPr lang="en-US"/>
+              <a:t>Fifth level</a:t>
+            </a:r>
+            <a:endParaRPr lang="en-US" dirty="0"/>
+          </a:p>
+        </p:txBody>
+      </p:sp>
+    </p:spTree>
+    <p:extLst>
+      <p:ext uri="{BB962C8B-B14F-4D97-AF65-F5344CB8AC3E}">
+        <p14:creationId xmlns:p14="http://schemas.microsoft.com/office/powerpoint/2010/main" val="3700971855"/>
+      </p:ext>
+    </p:extLst>
+  </p:cSld>
+  <p:clrMapOvr>
+    <a:masterClrMapping/>
+  </p:clrMapOvr>
+  <p:transition>
+    <p:fade/>
+  </p:transition>
+</p:sldLayout>
+</file>
+
+<file path=ppt/slideLayouts/slideLayout29.xml><?xml version="1.0" encoding="utf-8"?>
+<p:sldLayout xmlns:a="http://schemas.openxmlformats.org/drawingml/2006/main" xmlns:r="http://schemas.openxmlformats.org/officeDocument/2006/relationships" xmlns:p="http://schemas.openxmlformats.org/presentationml/2006/main" type="tx">
+  <p:cSld name="Title and Text">
+    <p:spTree>
+      <p:nvGrpSpPr>
+        <p:cNvPr id="1" name=""/>
+        <p:cNvGrpSpPr/>
+        <p:nvPr/>
+      </p:nvGrpSpPr>
+      <p:grpSpPr>
+        <a:xfrm>
+          <a:off x="0" y="0"/>
+          <a:ext cx="0" cy="0"/>
+          <a:chOff x="0" y="0"/>
+          <a:chExt cx="0" cy="0"/>
+        </a:xfrm>
+      </p:grpSpPr>
+      <p:sp>
+        <p:nvSpPr>
+          <p:cNvPr id="2" name="Shape 1"/>
+          <p:cNvSpPr>
+            <a:spLocks noGrp="1"/>
+          </p:cNvSpPr>
+          <p:nvPr>
+            <p:ph type="title"/>
+          </p:nvPr>
+        </p:nvSpPr>
+        <p:spPr/>
+        <p:txBody>
+          <a:bodyPr rtlCol="0"/>
+          <a:lstStyle/>
+          <a:p>
+            <a:r>
+              <a:rPr lang="en-US"/>
+              <a:t>Click to edit Master title style</a:t>
+            </a:r>
+          </a:p>
+        </p:txBody>
+      </p:sp>
+      <p:sp>
+        <p:nvSpPr>
+          <p:cNvPr id="3" name="Shape 2"/>
+          <p:cNvSpPr>
+            <a:spLocks noGrp="1"/>
+          </p:cNvSpPr>
+          <p:nvPr>
+            <p:ph type="body" idx="1"/>
+          </p:nvPr>
+        </p:nvSpPr>
+        <p:spPr/>
+        <p:txBody>
+          <a:bodyPr rtlCol="0"/>
+          <a:lstStyle/>
+          <a:p>
+            <a:pPr lvl="0"/>
+            <a:r>
+              <a:rPr lang="en-US"/>
+              <a:t>Edit Master text styles</a:t>
+            </a:r>
+          </a:p>
+          <a:p>
+            <a:pPr lvl="1"/>
+            <a:r>
+              <a:rPr lang="en-US"/>
+              <a:t>Second level</a:t>
+            </a:r>
+          </a:p>
+          <a:p>
+            <a:pPr lvl="2"/>
+            <a:r>
+              <a:rPr lang="en-US"/>
+              <a:t>Third level</a:t>
+            </a:r>
+          </a:p>
+          <a:p>
+            <a:pPr lvl="3"/>
+            <a:r>
+              <a:rPr lang="en-US"/>
+              <a:t>Fourth level</a:t>
+            </a:r>
+          </a:p>
+          <a:p>
+            <a:pPr lvl="4"/>
+            <a:r>
+              <a:rPr lang="en-US"/>
+              <a:t>Fifth level</a:t>
+            </a:r>
+          </a:p>
+        </p:txBody>
+      </p:sp>
+    </p:spTree>
+    <p:extLst>
+      <p:ext uri="{BB962C8B-B14F-4D97-AF65-F5344CB8AC3E}">
+        <p14:creationId xmlns:p14="http://schemas.microsoft.com/office/powerpoint/2010/main" val="3535390819"/>
       </p:ext>
     </p:extLst>
   </p:cSld>
@@ -12480,7 +14865,6 @@
               <a:rPr lang="en-US"/>
               <a:t>Click to edit Master title style</a:t>
             </a:r>
-            <a:endParaRPr lang="en-US"/>
           </a:p>
         </p:txBody>
       </p:sp>
@@ -12620,7 +15004,7 @@
           <a:p>
             <a:fld id="{ABF2FD4C-D78B-400D-9C49-A448B70A2069}" type="datetimeFigureOut">
               <a:rPr lang="en-US" smtClean="0"/>
-              <a:t>12/9/2016</a:t>
+              <a:t>12/13/2016</a:t>
             </a:fld>
             <a:endParaRPr lang="en-US"/>
           </a:p>
@@ -12717,7 +15101,6 @@
               <a:rPr lang="en-US"/>
               <a:t>Click to edit Master title style</a:t>
             </a:r>
-            <a:endParaRPr lang="en-US"/>
           </a:p>
         </p:txBody>
       </p:sp>
@@ -12774,7 +15157,6 @@
               <a:rPr lang="en-US"/>
               <a:t>Fifth level</a:t>
             </a:r>
-            <a:endParaRPr lang="en-US"/>
           </a:p>
         </p:txBody>
       </p:sp>
@@ -12831,7 +15213,6 @@
               <a:rPr lang="en-US"/>
               <a:t>Fifth level</a:t>
             </a:r>
-            <a:endParaRPr lang="en-US"/>
           </a:p>
         </p:txBody>
       </p:sp>
@@ -12852,7 +15233,7 @@
           <a:p>
             <a:fld id="{ABF2FD4C-D78B-400D-9C49-A448B70A2069}" type="datetimeFigureOut">
               <a:rPr lang="en-US" smtClean="0"/>
-              <a:t>12/9/2016</a:t>
+              <a:t>12/13/2016</a:t>
             </a:fld>
             <a:endParaRPr lang="en-US"/>
           </a:p>
@@ -12954,7 +15335,6 @@
               <a:rPr lang="en-US"/>
               <a:t>Click to edit Master title style</a:t>
             </a:r>
-            <a:endParaRPr lang="en-US"/>
           </a:p>
         </p:txBody>
       </p:sp>
@@ -13076,7 +15456,6 @@
               <a:rPr lang="en-US"/>
               <a:t>Fifth level</a:t>
             </a:r>
-            <a:endParaRPr lang="en-US"/>
           </a:p>
         </p:txBody>
       </p:sp>
@@ -13198,7 +15577,6 @@
               <a:rPr lang="en-US"/>
               <a:t>Fifth level</a:t>
             </a:r>
-            <a:endParaRPr lang="en-US"/>
           </a:p>
         </p:txBody>
       </p:sp>
@@ -13219,7 +15597,7 @@
           <a:p>
             <a:fld id="{ABF2FD4C-D78B-400D-9C49-A448B70A2069}" type="datetimeFigureOut">
               <a:rPr lang="en-US" smtClean="0"/>
-              <a:t>12/9/2016</a:t>
+              <a:t>12/13/2016</a:t>
             </a:fld>
             <a:endParaRPr lang="en-US"/>
           </a:p>
@@ -13316,7 +15694,6 @@
               <a:rPr lang="en-US"/>
               <a:t>Click to edit Master title style</a:t>
             </a:r>
-            <a:endParaRPr lang="en-US"/>
           </a:p>
         </p:txBody>
       </p:sp>
@@ -13337,7 +15714,7 @@
           <a:p>
             <a:fld id="{ABF2FD4C-D78B-400D-9C49-A448B70A2069}" type="datetimeFigureOut">
               <a:rPr lang="en-US" smtClean="0"/>
-              <a:t>12/9/2016</a:t>
+              <a:t>12/13/2016</a:t>
             </a:fld>
             <a:endParaRPr lang="en-US"/>
           </a:p>
@@ -13432,7 +15809,7 @@
           <a:p>
             <a:fld id="{ABF2FD4C-D78B-400D-9C49-A448B70A2069}" type="datetimeFigureOut">
               <a:rPr lang="en-US" smtClean="0"/>
-              <a:t>12/9/2016</a:t>
+              <a:t>12/13/2016</a:t>
             </a:fld>
             <a:endParaRPr lang="en-US"/>
           </a:p>
@@ -13538,7 +15915,6 @@
               <a:rPr lang="en-US"/>
               <a:t>Click to edit Master title style</a:t>
             </a:r>
-            <a:endParaRPr lang="en-US"/>
           </a:p>
         </p:txBody>
       </p:sp>
@@ -13623,7 +15999,6 @@
               <a:rPr lang="en-US"/>
               <a:t>Fifth level</a:t>
             </a:r>
-            <a:endParaRPr lang="en-US"/>
           </a:p>
         </p:txBody>
       </p:sp>
@@ -13709,7 +16084,7 @@
           <a:p>
             <a:fld id="{ABF2FD4C-D78B-400D-9C49-A448B70A2069}" type="datetimeFigureOut">
               <a:rPr lang="en-US" smtClean="0"/>
-              <a:t>12/9/2016</a:t>
+              <a:t>12/13/2016</a:t>
             </a:fld>
             <a:endParaRPr lang="en-US"/>
           </a:p>
@@ -13815,7 +16190,6 @@
               <a:rPr lang="en-US"/>
               <a:t>Click to edit Master title style</a:t>
             </a:r>
-            <a:endParaRPr lang="en-US"/>
           </a:p>
         </p:txBody>
       </p:sp>
@@ -13962,7 +16336,7 @@
           <a:p>
             <a:fld id="{ABF2FD4C-D78B-400D-9C49-A448B70A2069}" type="datetimeFigureOut">
               <a:rPr lang="en-US" smtClean="0"/>
-              <a:t>12/9/2016</a:t>
+              <a:t>12/13/2016</a:t>
             </a:fld>
             <a:endParaRPr lang="en-US"/>
           </a:p>
@@ -14074,7 +16448,6 @@
               <a:rPr lang="en-US"/>
               <a:t>Click to edit Master title style</a:t>
             </a:r>
-            <a:endParaRPr lang="en-US"/>
           </a:p>
         </p:txBody>
       </p:sp>
@@ -14136,7 +16509,6 @@
               <a:rPr lang="en-US"/>
               <a:t>Fifth level</a:t>
             </a:r>
-            <a:endParaRPr lang="en-US"/>
           </a:p>
         </p:txBody>
       </p:sp>
@@ -14175,7 +16547,7 @@
           <a:p>
             <a:fld id="{ABF2FD4C-D78B-400D-9C49-A448B70A2069}" type="datetimeFigureOut">
               <a:rPr lang="en-US" smtClean="0"/>
-              <a:t>12/9/2016</a:t>
+              <a:t>12/13/2016</a:t>
             </a:fld>
             <a:endParaRPr lang="en-US"/>
           </a:p>
@@ -14564,6 +16936,615 @@
 </p:sldMaster>
 </file>
 
+<file path=ppt/slideMasters/slideMaster2.xml><?xml version="1.0" encoding="utf-8"?>
+<p:sldMaster xmlns:a="http://schemas.openxmlformats.org/drawingml/2006/main" xmlns:r="http://schemas.openxmlformats.org/officeDocument/2006/relationships" xmlns:p="http://schemas.openxmlformats.org/presentationml/2006/main" preserve="1">
+  <p:cSld>
+    <p:bg>
+      <p:bgPr>
+        <a:solidFill>
+          <a:schemeClr val="bg1"/>
+        </a:solidFill>
+        <a:effectLst/>
+      </p:bgPr>
+    </p:bg>
+    <p:spTree>
+      <p:nvGrpSpPr>
+        <p:cNvPr id="1" name=""/>
+        <p:cNvGrpSpPr/>
+        <p:nvPr/>
+      </p:nvGrpSpPr>
+      <p:grpSpPr>
+        <a:xfrm>
+          <a:off x="0" y="0"/>
+          <a:ext cx="0" cy="0"/>
+          <a:chOff x="0" y="0"/>
+          <a:chExt cx="0" cy="0"/>
+        </a:xfrm>
+      </p:grpSpPr>
+      <p:sp>
+        <p:nvSpPr>
+          <p:cNvPr id="1028" name="Rectangle 4"/>
+          <p:cNvSpPr>
+            <a:spLocks noGrp="1" noChangeArrowheads="1"/>
+          </p:cNvSpPr>
+          <p:nvPr>
+            <p:ph type="body" idx="1"/>
+          </p:nvPr>
+        </p:nvSpPr>
+        <p:spPr bwMode="gray">
+          <a:xfrm>
+            <a:off x="395288" y="1484313"/>
+            <a:ext cx="8353425" cy="4608512"/>
+          </a:xfrm>
+          <a:prstGeom prst="rect">
+            <a:avLst/>
+          </a:prstGeom>
+          <a:extLst>
+            <a:ext uri="{909E8E84-426E-40DD-AFC4-6F175D3DCCD1}">
+              <a14:hiddenFill xmlns:a14="http://schemas.microsoft.com/office/drawing/2010/main">
+                <a:solidFill>
+                  <a:srgbClr val="FFFFFF"/>
+                </a:solidFill>
+              </a14:hiddenFill>
+            </a:ext>
+            <a:ext uri="{91240B29-F687-4F45-9708-019B960494DF}">
+              <a14:hiddenLine xmlns:a14="http://schemas.microsoft.com/office/drawing/2010/main" w="9525">
+                <a:solidFill>
+                  <a:srgbClr val="000000"/>
+                </a:solidFill>
+                <a:miter lim="800000"/>
+                <a:headEnd/>
+                <a:tailEnd/>
+              </a14:hiddenLine>
+            </a:ext>
+            <a:ext uri="{53640926-AAD7-44D8-BBD7-CCE9431645EC}">
+              <a14:shadowObscured xmlns:a14="http://schemas.microsoft.com/office/drawing/2010/main" val="1"/>
+            </a:ext>
+          </a:extLst>
+        </p:spPr>
+        <p:txBody>
+          <a:bodyPr vert="horz" wrap="square" lIns="0" tIns="0" rIns="0" bIns="0" numCol="1" anchor="t" anchorCtr="0" compatLnSpc="1">
+            <a:prstTxWarp prst="textNoShape">
+              <a:avLst/>
+            </a:prstTxWarp>
+          </a:bodyPr>
+          <a:lstStyle/>
+          <a:p>
+            <a:pPr lvl="0"/>
+            <a:r>
+              <a:rPr lang="sv-SE" dirty="0"/>
+              <a:t>Klicka här för att ändra format på bakgrundstexten</a:t>
+            </a:r>
+          </a:p>
+          <a:p>
+            <a:pPr lvl="1"/>
+            <a:r>
+              <a:rPr lang="sv-SE" dirty="0"/>
+              <a:t>Nivå två</a:t>
+            </a:r>
+          </a:p>
+          <a:p>
+            <a:pPr lvl="2"/>
+            <a:r>
+              <a:rPr lang="sv-SE" dirty="0"/>
+              <a:t>Nivå tre</a:t>
+            </a:r>
+          </a:p>
+          <a:p>
+            <a:pPr lvl="3"/>
+            <a:r>
+              <a:rPr lang="sv-SE" dirty="0"/>
+              <a:t>Nivå fyra</a:t>
+            </a:r>
+          </a:p>
+          <a:p>
+            <a:pPr lvl="4"/>
+            <a:r>
+              <a:rPr lang="sv-SE" dirty="0"/>
+              <a:t>Nivå fem</a:t>
+            </a:r>
+            <a:endParaRPr lang="en-GB" dirty="0"/>
+          </a:p>
+        </p:txBody>
+      </p:sp>
+      <p:sp>
+        <p:nvSpPr>
+          <p:cNvPr id="1029" name="Rectangle 5"/>
+          <p:cNvSpPr>
+            <a:spLocks noGrp="1" noChangeArrowheads="1"/>
+          </p:cNvSpPr>
+          <p:nvPr>
+            <p:ph type="title"/>
+          </p:nvPr>
+        </p:nvSpPr>
+        <p:spPr bwMode="gray">
+          <a:xfrm>
+            <a:off x="395288" y="765175"/>
+            <a:ext cx="8353425" cy="360363"/>
+          </a:xfrm>
+          <a:prstGeom prst="rect">
+            <a:avLst/>
+          </a:prstGeom>
+          <a:extLst>
+            <a:ext uri="{909E8E84-426E-40DD-AFC4-6F175D3DCCD1}">
+              <a14:hiddenFill xmlns:a14="http://schemas.microsoft.com/office/drawing/2010/main">
+                <a:solidFill>
+                  <a:srgbClr val="FFFFFF"/>
+                </a:solidFill>
+              </a14:hiddenFill>
+            </a:ext>
+            <a:ext uri="{91240B29-F687-4F45-9708-019B960494DF}">
+              <a14:hiddenLine xmlns:a14="http://schemas.microsoft.com/office/drawing/2010/main" w="9525">
+                <a:solidFill>
+                  <a:srgbClr val="000000"/>
+                </a:solidFill>
+                <a:miter lim="800000"/>
+                <a:headEnd/>
+                <a:tailEnd/>
+              </a14:hiddenLine>
+            </a:ext>
+            <a:ext uri="{53640926-AAD7-44D8-BBD7-CCE9431645EC}">
+              <a14:shadowObscured xmlns:a14="http://schemas.microsoft.com/office/drawing/2010/main" val="1"/>
+            </a:ext>
+          </a:extLst>
+        </p:spPr>
+        <p:txBody>
+          <a:bodyPr vert="horz" wrap="square" lIns="0" tIns="0" rIns="0" bIns="0" numCol="1" anchor="ctr" anchorCtr="0" compatLnSpc="1">
+            <a:prstTxWarp prst="textNoShape">
+              <a:avLst/>
+            </a:prstTxWarp>
+          </a:bodyPr>
+          <a:lstStyle/>
+          <a:p>
+            <a:pPr lvl="0"/>
+            <a:r>
+              <a:rPr lang="en-GB" dirty="0"/>
+              <a:t>Click to add title</a:t>
+            </a:r>
+          </a:p>
+        </p:txBody>
+      </p:sp>
+    </p:spTree>
+    <p:extLst>
+      <p:ext uri="{BB962C8B-B14F-4D97-AF65-F5344CB8AC3E}">
+        <p14:creationId xmlns:p14="http://schemas.microsoft.com/office/powerpoint/2010/main" val="1175689806"/>
+      </p:ext>
+    </p:extLst>
+  </p:cSld>
+  <p:clrMap bg1="lt1" tx1="dk1" bg2="lt2" tx2="dk2" accent1="accent1" accent2="accent2" accent3="accent3" accent4="accent4" accent5="accent5" accent6="accent6" hlink="hlink" folHlink="folHlink"/>
+  <p:sldLayoutIdLst>
+    <p:sldLayoutId id="2147483878" r:id="rId1"/>
+    <p:sldLayoutId id="2147483879" r:id="rId2"/>
+    <p:sldLayoutId id="2147483880" r:id="rId3"/>
+    <p:sldLayoutId id="2147483881" r:id="rId4"/>
+    <p:sldLayoutId id="2147483882" r:id="rId5"/>
+    <p:sldLayoutId id="2147483883" r:id="rId6"/>
+    <p:sldLayoutId id="2147483884" r:id="rId7"/>
+    <p:sldLayoutId id="2147483885" r:id="rId8"/>
+    <p:sldLayoutId id="2147483886" r:id="rId9"/>
+    <p:sldLayoutId id="2147483887" r:id="rId10"/>
+    <p:sldLayoutId id="2147483888" r:id="rId11"/>
+    <p:sldLayoutId id="2147483889" r:id="rId12"/>
+    <p:sldLayoutId id="2147483890" r:id="rId13"/>
+    <p:sldLayoutId id="2147483891" r:id="rId14"/>
+    <p:sldLayoutId id="2147483892" r:id="rId15"/>
+    <p:sldLayoutId id="2147483893" r:id="rId16"/>
+    <p:sldLayoutId id="2147483894" r:id="rId17"/>
+  </p:sldLayoutIdLst>
+  <p:txStyles>
+    <p:titleStyle>
+      <a:lvl1pPr algn="l" rtl="0" eaLnBrk="1" fontAlgn="base" hangingPunct="1">
+        <a:spcBef>
+          <a:spcPct val="0"/>
+        </a:spcBef>
+        <a:spcAft>
+          <a:spcPct val="0"/>
+        </a:spcAft>
+        <a:defRPr sz="2000" b="1">
+          <a:solidFill>
+            <a:schemeClr val="tx1"/>
+          </a:solidFill>
+          <a:latin typeface="+mj-lt"/>
+          <a:ea typeface="+mj-ea"/>
+          <a:cs typeface="+mj-cs"/>
+        </a:defRPr>
+      </a:lvl1pPr>
+      <a:lvl2pPr algn="l" rtl="0" eaLnBrk="1" fontAlgn="base" hangingPunct="1">
+        <a:spcBef>
+          <a:spcPct val="0"/>
+        </a:spcBef>
+        <a:spcAft>
+          <a:spcPct val="0"/>
+        </a:spcAft>
+        <a:defRPr sz="2000" b="1">
+          <a:solidFill>
+            <a:schemeClr val="bg1"/>
+          </a:solidFill>
+          <a:latin typeface="Arial" charset="0"/>
+        </a:defRPr>
+      </a:lvl2pPr>
+      <a:lvl3pPr algn="l" rtl="0" eaLnBrk="1" fontAlgn="base" hangingPunct="1">
+        <a:spcBef>
+          <a:spcPct val="0"/>
+        </a:spcBef>
+        <a:spcAft>
+          <a:spcPct val="0"/>
+        </a:spcAft>
+        <a:defRPr sz="2000" b="1">
+          <a:solidFill>
+            <a:schemeClr val="bg1"/>
+          </a:solidFill>
+          <a:latin typeface="Arial" charset="0"/>
+        </a:defRPr>
+      </a:lvl3pPr>
+      <a:lvl4pPr algn="l" rtl="0" eaLnBrk="1" fontAlgn="base" hangingPunct="1">
+        <a:spcBef>
+          <a:spcPct val="0"/>
+        </a:spcBef>
+        <a:spcAft>
+          <a:spcPct val="0"/>
+        </a:spcAft>
+        <a:defRPr sz="2000" b="1">
+          <a:solidFill>
+            <a:schemeClr val="bg1"/>
+          </a:solidFill>
+          <a:latin typeface="Arial" charset="0"/>
+        </a:defRPr>
+      </a:lvl4pPr>
+      <a:lvl5pPr algn="l" rtl="0" eaLnBrk="1" fontAlgn="base" hangingPunct="1">
+        <a:spcBef>
+          <a:spcPct val="0"/>
+        </a:spcBef>
+        <a:spcAft>
+          <a:spcPct val="0"/>
+        </a:spcAft>
+        <a:defRPr sz="2000" b="1">
+          <a:solidFill>
+            <a:schemeClr val="bg1"/>
+          </a:solidFill>
+          <a:latin typeface="Arial" charset="0"/>
+        </a:defRPr>
+      </a:lvl5pPr>
+      <a:lvl6pPr marL="457200" algn="l" rtl="0" eaLnBrk="1" fontAlgn="base" hangingPunct="1">
+        <a:spcBef>
+          <a:spcPct val="0"/>
+        </a:spcBef>
+        <a:spcAft>
+          <a:spcPct val="0"/>
+        </a:spcAft>
+        <a:defRPr sz="2000" b="1">
+          <a:solidFill>
+            <a:schemeClr val="bg1"/>
+          </a:solidFill>
+          <a:latin typeface="Arial" charset="0"/>
+        </a:defRPr>
+      </a:lvl6pPr>
+      <a:lvl7pPr marL="914400" algn="l" rtl="0" eaLnBrk="1" fontAlgn="base" hangingPunct="1">
+        <a:spcBef>
+          <a:spcPct val="0"/>
+        </a:spcBef>
+        <a:spcAft>
+          <a:spcPct val="0"/>
+        </a:spcAft>
+        <a:defRPr sz="2000" b="1">
+          <a:solidFill>
+            <a:schemeClr val="bg1"/>
+          </a:solidFill>
+          <a:latin typeface="Arial" charset="0"/>
+        </a:defRPr>
+      </a:lvl7pPr>
+      <a:lvl8pPr marL="1371600" algn="l" rtl="0" eaLnBrk="1" fontAlgn="base" hangingPunct="1">
+        <a:spcBef>
+          <a:spcPct val="0"/>
+        </a:spcBef>
+        <a:spcAft>
+          <a:spcPct val="0"/>
+        </a:spcAft>
+        <a:defRPr sz="2000" b="1">
+          <a:solidFill>
+            <a:schemeClr val="bg1"/>
+          </a:solidFill>
+          <a:latin typeface="Arial" charset="0"/>
+        </a:defRPr>
+      </a:lvl8pPr>
+      <a:lvl9pPr marL="1828800" algn="l" rtl="0" eaLnBrk="1" fontAlgn="base" hangingPunct="1">
+        <a:spcBef>
+          <a:spcPct val="0"/>
+        </a:spcBef>
+        <a:spcAft>
+          <a:spcPct val="0"/>
+        </a:spcAft>
+        <a:defRPr sz="2000" b="1">
+          <a:solidFill>
+            <a:schemeClr val="bg1"/>
+          </a:solidFill>
+          <a:latin typeface="Arial" charset="0"/>
+        </a:defRPr>
+      </a:lvl9pPr>
+    </p:titleStyle>
+    <p:bodyStyle>
+      <a:lvl1pPr marL="177800" indent="-177800" algn="l" rtl="0" eaLnBrk="1" fontAlgn="base" hangingPunct="1">
+        <a:spcBef>
+          <a:spcPct val="40000"/>
+        </a:spcBef>
+        <a:spcAft>
+          <a:spcPct val="0"/>
+        </a:spcAft>
+        <a:buClr>
+          <a:schemeClr val="accent1"/>
+        </a:buClr>
+        <a:buFont typeface="Wingdings" pitchFamily="2" charset="2"/>
+        <a:buChar char="§"/>
+        <a:defRPr lang="sv-SE" dirty="0" smtClean="0">
+          <a:solidFill>
+            <a:schemeClr val="tx1"/>
+          </a:solidFill>
+          <a:latin typeface="+mn-lt"/>
+          <a:ea typeface="+mn-ea"/>
+          <a:cs typeface="+mn-cs"/>
+        </a:defRPr>
+      </a:lvl1pPr>
+      <a:lvl2pPr marL="541338" indent="-184150" algn="l" rtl="0" eaLnBrk="1" fontAlgn="base" hangingPunct="1">
+        <a:spcBef>
+          <a:spcPct val="40000"/>
+        </a:spcBef>
+        <a:spcAft>
+          <a:spcPct val="0"/>
+        </a:spcAft>
+        <a:buClr>
+          <a:schemeClr val="accent1"/>
+        </a:buClr>
+        <a:buFont typeface="Wingdings" pitchFamily="2" charset="2"/>
+        <a:buChar char="§"/>
+        <a:defRPr lang="sv-SE" sz="1600" dirty="0" smtClean="0">
+          <a:solidFill>
+            <a:schemeClr val="tx1"/>
+          </a:solidFill>
+          <a:latin typeface="+mn-lt"/>
+          <a:ea typeface="+mn-ea"/>
+          <a:cs typeface="+mn-cs"/>
+        </a:defRPr>
+      </a:lvl2pPr>
+      <a:lvl3pPr marL="896938" indent="-176213" algn="l" rtl="0" eaLnBrk="1" fontAlgn="base" hangingPunct="1">
+        <a:spcBef>
+          <a:spcPct val="40000"/>
+        </a:spcBef>
+        <a:spcAft>
+          <a:spcPct val="0"/>
+        </a:spcAft>
+        <a:buClr>
+          <a:schemeClr val="accent1"/>
+        </a:buClr>
+        <a:buFont typeface="Wingdings" pitchFamily="2" charset="2"/>
+        <a:buChar char="§"/>
+        <a:defRPr lang="sv-SE" sz="1600" dirty="0" smtClean="0">
+          <a:solidFill>
+            <a:schemeClr val="tx1"/>
+          </a:solidFill>
+          <a:latin typeface="+mn-lt"/>
+          <a:ea typeface="+mn-ea"/>
+          <a:cs typeface="+mn-cs"/>
+        </a:defRPr>
+      </a:lvl3pPr>
+      <a:lvl4pPr marL="1252538" indent="-176213" algn="l" rtl="0" eaLnBrk="1" fontAlgn="base" hangingPunct="1">
+        <a:spcBef>
+          <a:spcPct val="40000"/>
+        </a:spcBef>
+        <a:spcAft>
+          <a:spcPct val="0"/>
+        </a:spcAft>
+        <a:buClr>
+          <a:schemeClr val="accent1"/>
+        </a:buClr>
+        <a:buSzPct val="120000"/>
+        <a:buFont typeface="Wingdings" pitchFamily="2" charset="2"/>
+        <a:buChar char="§"/>
+        <a:defRPr lang="sv-SE" sz="1400" dirty="0" smtClean="0">
+          <a:solidFill>
+            <a:schemeClr val="tx1"/>
+          </a:solidFill>
+          <a:latin typeface="+mn-lt"/>
+          <a:ea typeface="+mn-ea"/>
+          <a:cs typeface="+mn-cs"/>
+        </a:defRPr>
+      </a:lvl4pPr>
+      <a:lvl5pPr marL="1616075" indent="-184150" algn="l" rtl="0" eaLnBrk="1" fontAlgn="base" hangingPunct="1">
+        <a:spcBef>
+          <a:spcPct val="40000"/>
+        </a:spcBef>
+        <a:spcAft>
+          <a:spcPct val="0"/>
+        </a:spcAft>
+        <a:buClr>
+          <a:schemeClr val="accent1"/>
+        </a:buClr>
+        <a:buFont typeface="Wingdings" pitchFamily="2" charset="2"/>
+        <a:buChar char="§"/>
+        <a:defRPr lang="en-GB" sz="1400" dirty="0" smtClean="0">
+          <a:solidFill>
+            <a:schemeClr val="tx1"/>
+          </a:solidFill>
+          <a:latin typeface="+mn-lt"/>
+          <a:ea typeface="+mn-ea"/>
+          <a:cs typeface="+mn-cs"/>
+        </a:defRPr>
+      </a:lvl5pPr>
+      <a:lvl6pPr marL="2073275" indent="-184150" algn="l" rtl="0" eaLnBrk="1" fontAlgn="base" hangingPunct="1">
+        <a:spcBef>
+          <a:spcPct val="40000"/>
+        </a:spcBef>
+        <a:spcAft>
+          <a:spcPct val="0"/>
+        </a:spcAft>
+        <a:buClr>
+          <a:schemeClr val="bg2"/>
+        </a:buClr>
+        <a:buFont typeface="Arial" charset="0"/>
+        <a:buChar char="–"/>
+        <a:defRPr sz="1400">
+          <a:solidFill>
+            <a:schemeClr val="tx1"/>
+          </a:solidFill>
+          <a:latin typeface="+mn-lt"/>
+        </a:defRPr>
+      </a:lvl6pPr>
+      <a:lvl7pPr marL="2530475" indent="-184150" algn="l" rtl="0" eaLnBrk="1" fontAlgn="base" hangingPunct="1">
+        <a:spcBef>
+          <a:spcPct val="40000"/>
+        </a:spcBef>
+        <a:spcAft>
+          <a:spcPct val="0"/>
+        </a:spcAft>
+        <a:buClr>
+          <a:schemeClr val="bg2"/>
+        </a:buClr>
+        <a:buFont typeface="Arial" charset="0"/>
+        <a:buChar char="–"/>
+        <a:defRPr sz="1400">
+          <a:solidFill>
+            <a:schemeClr val="tx1"/>
+          </a:solidFill>
+          <a:latin typeface="+mn-lt"/>
+        </a:defRPr>
+      </a:lvl7pPr>
+      <a:lvl8pPr marL="2987675" indent="-184150" algn="l" rtl="0" eaLnBrk="1" fontAlgn="base" hangingPunct="1">
+        <a:spcBef>
+          <a:spcPct val="40000"/>
+        </a:spcBef>
+        <a:spcAft>
+          <a:spcPct val="0"/>
+        </a:spcAft>
+        <a:buClr>
+          <a:schemeClr val="bg2"/>
+        </a:buClr>
+        <a:buFont typeface="Arial" charset="0"/>
+        <a:buChar char="–"/>
+        <a:defRPr sz="1400">
+          <a:solidFill>
+            <a:schemeClr val="tx1"/>
+          </a:solidFill>
+          <a:latin typeface="+mn-lt"/>
+        </a:defRPr>
+      </a:lvl8pPr>
+      <a:lvl9pPr marL="3444875" indent="-184150" algn="l" rtl="0" eaLnBrk="1" fontAlgn="base" hangingPunct="1">
+        <a:spcBef>
+          <a:spcPct val="40000"/>
+        </a:spcBef>
+        <a:spcAft>
+          <a:spcPct val="0"/>
+        </a:spcAft>
+        <a:buClr>
+          <a:schemeClr val="bg2"/>
+        </a:buClr>
+        <a:buFont typeface="Arial" charset="0"/>
+        <a:buChar char="–"/>
+        <a:defRPr sz="1400">
+          <a:solidFill>
+            <a:schemeClr val="tx1"/>
+          </a:solidFill>
+          <a:latin typeface="+mn-lt"/>
+        </a:defRPr>
+      </a:lvl9pPr>
+    </p:bodyStyle>
+    <p:otherStyle>
+      <a:defPPr>
+        <a:defRPr lang="sv-SE"/>
+      </a:defPPr>
+      <a:lvl1pPr marL="0" algn="l" defTabSz="914400" rtl="0" eaLnBrk="1" latinLnBrk="0" hangingPunct="1">
+        <a:defRPr sz="1800" kern="1200">
+          <a:solidFill>
+            <a:schemeClr val="tx1"/>
+          </a:solidFill>
+          <a:latin typeface="+mn-lt"/>
+          <a:ea typeface="+mn-ea"/>
+          <a:cs typeface="+mn-cs"/>
+        </a:defRPr>
+      </a:lvl1pPr>
+      <a:lvl2pPr marL="457200" algn="l" defTabSz="914400" rtl="0" eaLnBrk="1" latinLnBrk="0" hangingPunct="1">
+        <a:defRPr sz="1800" kern="1200">
+          <a:solidFill>
+            <a:schemeClr val="tx1"/>
+          </a:solidFill>
+          <a:latin typeface="+mn-lt"/>
+          <a:ea typeface="+mn-ea"/>
+          <a:cs typeface="+mn-cs"/>
+        </a:defRPr>
+      </a:lvl2pPr>
+      <a:lvl3pPr marL="914400" algn="l" defTabSz="914400" rtl="0" eaLnBrk="1" latinLnBrk="0" hangingPunct="1">
+        <a:defRPr sz="1800" kern="1200">
+          <a:solidFill>
+            <a:schemeClr val="tx1"/>
+          </a:solidFill>
+          <a:latin typeface="+mn-lt"/>
+          <a:ea typeface="+mn-ea"/>
+          <a:cs typeface="+mn-cs"/>
+        </a:defRPr>
+      </a:lvl3pPr>
+      <a:lvl4pPr marL="1371600" algn="l" defTabSz="914400" rtl="0" eaLnBrk="1" latinLnBrk="0" hangingPunct="1">
+        <a:defRPr sz="1800" kern="1200">
+          <a:solidFill>
+            <a:schemeClr val="tx1"/>
+          </a:solidFill>
+          <a:latin typeface="+mn-lt"/>
+          <a:ea typeface="+mn-ea"/>
+          <a:cs typeface="+mn-cs"/>
+        </a:defRPr>
+      </a:lvl4pPr>
+      <a:lvl5pPr marL="1828800" algn="l" defTabSz="914400" rtl="0" eaLnBrk="1" latinLnBrk="0" hangingPunct="1">
+        <a:defRPr sz="1800" kern="1200">
+          <a:solidFill>
+            <a:schemeClr val="tx1"/>
+          </a:solidFill>
+          <a:latin typeface="+mn-lt"/>
+          <a:ea typeface="+mn-ea"/>
+          <a:cs typeface="+mn-cs"/>
+        </a:defRPr>
+      </a:lvl5pPr>
+      <a:lvl6pPr marL="2286000" algn="l" defTabSz="914400" rtl="0" eaLnBrk="1" latinLnBrk="0" hangingPunct="1">
+        <a:defRPr sz="1800" kern="1200">
+          <a:solidFill>
+            <a:schemeClr val="tx1"/>
+          </a:solidFill>
+          <a:latin typeface="+mn-lt"/>
+          <a:ea typeface="+mn-ea"/>
+          <a:cs typeface="+mn-cs"/>
+        </a:defRPr>
+      </a:lvl6pPr>
+      <a:lvl7pPr marL="2743200" algn="l" defTabSz="914400" rtl="0" eaLnBrk="1" latinLnBrk="0" hangingPunct="1">
+        <a:defRPr sz="1800" kern="1200">
+          <a:solidFill>
+            <a:schemeClr val="tx1"/>
+          </a:solidFill>
+          <a:latin typeface="+mn-lt"/>
+          <a:ea typeface="+mn-ea"/>
+          <a:cs typeface="+mn-cs"/>
+        </a:defRPr>
+      </a:lvl7pPr>
+      <a:lvl8pPr marL="3200400" algn="l" defTabSz="914400" rtl="0" eaLnBrk="1" latinLnBrk="0" hangingPunct="1">
+        <a:defRPr sz="1800" kern="1200">
+          <a:solidFill>
+            <a:schemeClr val="tx1"/>
+          </a:solidFill>
+          <a:latin typeface="+mn-lt"/>
+          <a:ea typeface="+mn-ea"/>
+          <a:cs typeface="+mn-cs"/>
+        </a:defRPr>
+      </a:lvl8pPr>
+      <a:lvl9pPr marL="3657600" algn="l" defTabSz="914400" rtl="0" eaLnBrk="1" latinLnBrk="0" hangingPunct="1">
+        <a:defRPr sz="1800" kern="1200">
+          <a:solidFill>
+            <a:schemeClr val="tx1"/>
+          </a:solidFill>
+          <a:latin typeface="+mn-lt"/>
+          <a:ea typeface="+mn-ea"/>
+          <a:cs typeface="+mn-cs"/>
+        </a:defRPr>
+      </a:lvl9pPr>
+    </p:otherStyle>
+  </p:txStyles>
+</p:sldMaster>
+</file>
+
 <file path=ppt/slides/slide1.xml><?xml version="1.0" encoding="utf-8"?>
 <p:sld xmlns:a="http://schemas.openxmlformats.org/drawingml/2006/main" xmlns:r="http://schemas.openxmlformats.org/officeDocument/2006/relationships" xmlns:p="http://schemas.openxmlformats.org/presentationml/2006/main">
   <p:cSld>
@@ -14583,6 +17564,28 @@
       </p:grpSpPr>
       <p:sp>
         <p:nvSpPr>
+          <p:cNvPr id="4098" name="Underrubrik 6"/>
+          <p:cNvSpPr>
+            <a:spLocks noGrp="1"/>
+          </p:cNvSpPr>
+          <p:nvPr>
+            <p:ph type="subTitle" idx="1"/>
+          </p:nvPr>
+        </p:nvSpPr>
+        <p:spPr/>
+        <p:txBody>
+          <a:bodyPr/>
+          <a:lstStyle/>
+          <a:p>
+            <a:r>
+              <a:rPr lang="en-GB" dirty="0"/>
+              <a:t>Web Services and WCF</a:t>
+            </a:r>
+          </a:p>
+        </p:txBody>
+      </p:sp>
+      <p:sp>
+        <p:nvSpPr>
           <p:cNvPr id="4099" name="Rubrik 5"/>
           <p:cNvSpPr>
             <a:spLocks noGrp="1"/>
@@ -14598,31 +17601,9 @@
           <a:p>
             <a:r>
               <a:rPr lang="en-US" dirty="0"/>
-              <a:t>Developing Integration Solutions using Microsoft BizTalk Server 2013</a:t>
+              <a:t>Developing Integration Solutions using Microsoft BizTalk Server 2016</a:t>
             </a:r>
             <a:endParaRPr lang="en-GB" dirty="0"/>
-          </a:p>
-        </p:txBody>
-      </p:sp>
-      <p:sp>
-        <p:nvSpPr>
-          <p:cNvPr id="4098" name="Underrubrik 6"/>
-          <p:cNvSpPr>
-            <a:spLocks noGrp="1"/>
-          </p:cNvSpPr>
-          <p:nvPr>
-            <p:ph type="subTitle" idx="1"/>
-          </p:nvPr>
-        </p:nvSpPr>
-        <p:spPr/>
-        <p:txBody>
-          <a:bodyPr/>
-          <a:lstStyle/>
-          <a:p>
-            <a:r>
-              <a:rPr lang="en-GB" dirty="0"/>
-              <a:t>Web Services and WCF</a:t>
-            </a:r>
           </a:p>
         </p:txBody>
       </p:sp>
@@ -14633,14 +17614,17 @@
             <a:spLocks noGrp="1"/>
           </p:cNvSpPr>
           <p:nvPr>
-            <p:ph type="dt" sz="half" idx="10"/>
+            <p:ph type="dt" sz="half" idx="4294967295"/>
           </p:nvPr>
         </p:nvSpPr>
         <p:spPr>
           <a:xfrm>
-            <a:off x="790216" y="6350023"/>
-            <a:ext cx="1117487" cy="365125"/>
+            <a:off x="0" y="6350000"/>
+            <a:ext cx="1117600" cy="365125"/>
           </a:xfrm>
+          <a:prstGeom prst="rect">
+            <a:avLst/>
+          </a:prstGeom>
         </p:spPr>
         <p:txBody>
           <a:bodyPr/>
@@ -14661,10 +17645,18 @@
             <a:spLocks noGrp="1"/>
           </p:cNvSpPr>
           <p:nvPr>
-            <p:ph type="sldNum" sz="quarter" idx="12"/>
+            <p:ph type="sldNum" sz="quarter" idx="4294967295"/>
           </p:nvPr>
         </p:nvSpPr>
-        <p:spPr/>
+        <p:spPr>
+          <a:xfrm>
+            <a:off x="7086600" y="6356350"/>
+            <a:ext cx="2057400" cy="365125"/>
+          </a:xfrm>
+          <a:prstGeom prst="rect">
+            <a:avLst/>
+          </a:prstGeom>
+        </p:spPr>
         <p:txBody>
           <a:bodyPr/>
           <a:lstStyle/>
@@ -14823,7 +17815,7 @@
                   </a:ext>
                 </a:extLst>
               </a:tr>
-              <a:tr h="485924">
+              <a:tr h="518160">
                 <a:tc>
                   <a:txBody>
                     <a:bodyPr/>
@@ -14874,7 +17866,7 @@
                   </a:ext>
                 </a:extLst>
               </a:tr>
-              <a:tr h="682144">
+              <a:tr h="731520">
                 <a:tc>
                   <a:txBody>
                     <a:bodyPr/>
@@ -14984,7 +17976,7 @@
                   </a:ext>
                 </a:extLst>
               </a:tr>
-              <a:tr h="642942">
+              <a:tr h="731520">
                 <a:tc>
                   <a:txBody>
                     <a:bodyPr/>
@@ -15035,7 +18027,7 @@
                   </a:ext>
                 </a:extLst>
               </a:tr>
-              <a:tr h="500066">
+              <a:tr h="518160">
                 <a:tc>
                   <a:txBody>
                     <a:bodyPr/>
@@ -15086,7 +18078,7 @@
                   </a:ext>
                 </a:extLst>
               </a:tr>
-              <a:tr h="481972">
+              <a:tr h="518160">
                 <a:tc>
                   <a:txBody>
                     <a:bodyPr/>
@@ -16823,7 +19815,7 @@
         </p:spPr>
         <p:txBody>
           <a:bodyPr>
-            <a:normAutofit fontScale="90000"/>
+            <a:normAutofit/>
           </a:bodyPr>
           <a:lstStyle/>
           <a:p>
@@ -17815,25 +20807,8 @@
                   </a:schemeClr>
                 </a:solidFill>
               </a:rPr>
-              <a:t>Module 14: Windows Azure </a:t>
-            </a:r>
-            <a:r>
-              <a:rPr lang="en-US" sz="1400">
-                <a:solidFill>
-                  <a:schemeClr val="bg1">
-                    <a:lumMod val="65000"/>
-                  </a:schemeClr>
-                </a:solidFill>
-              </a:rPr>
-              <a:t>BizTalk Services</a:t>
-            </a:r>
-            <a:endParaRPr lang="en-US" sz="1400" dirty="0">
-              <a:solidFill>
-                <a:schemeClr val="bg1">
-                  <a:lumMod val="65000"/>
-                </a:schemeClr>
-              </a:solidFill>
-            </a:endParaRPr>
+              <a:t>Extra modules</a:t>
+            </a:r>
           </a:p>
         </p:txBody>
       </p:sp>
@@ -19742,8 +22717,8 @@
           </p:nvPr>
         </p:nvGraphicFramePr>
         <p:xfrm>
-          <a:off x="628650" y="1825625"/>
-          <a:ext cx="7886700" cy="4351338"/>
+          <a:off x="395288" y="1484313"/>
+          <a:ext cx="8353425" cy="4608512"/>
         </p:xfrm>
         <a:graphic>
           <a:graphicData uri="http://schemas.openxmlformats.org/drawingml/2006/diagram">
@@ -30840,6 +33815,407 @@
 </file>
 
 <file path=ppt/theme/theme2.xml><?xml version="1.0" encoding="utf-8"?>
+<a:theme xmlns:a="http://schemas.openxmlformats.org/drawingml/2006/main" name="Anpassad Addskills Theme">
+  <a:themeElements>
+    <a:clrScheme name="© 2008 Logica Slide Master 1">
+      <a:dk1>
+        <a:srgbClr val="000000"/>
+      </a:dk1>
+      <a:lt1>
+        <a:srgbClr val="FFFFFF"/>
+      </a:lt1>
+      <a:dk2>
+        <a:srgbClr val="DDDDDD"/>
+      </a:dk2>
+      <a:lt2>
+        <a:srgbClr val="5F5F5F"/>
+      </a:lt2>
+      <a:accent1>
+        <a:srgbClr val="FFCC00"/>
+      </a:accent1>
+      <a:accent2>
+        <a:srgbClr val="8D979B"/>
+      </a:accent2>
+      <a:accent3>
+        <a:srgbClr val="FFFFFF"/>
+      </a:accent3>
+      <a:accent4>
+        <a:srgbClr val="000000"/>
+      </a:accent4>
+      <a:accent5>
+        <a:srgbClr val="FFE2AA"/>
+      </a:accent5>
+      <a:accent6>
+        <a:srgbClr val="7F888C"/>
+      </a:accent6>
+      <a:hlink>
+        <a:srgbClr val="A5AA78"/>
+      </a:hlink>
+      <a:folHlink>
+        <a:srgbClr val="CE6700"/>
+      </a:folHlink>
+    </a:clrScheme>
+    <a:fontScheme name="© 2008 Logica Slide Master">
+      <a:majorFont>
+        <a:latin typeface="Arial"/>
+        <a:ea typeface=""/>
+        <a:cs typeface=""/>
+      </a:majorFont>
+      <a:minorFont>
+        <a:latin typeface="Arial"/>
+        <a:ea typeface=""/>
+        <a:cs typeface=""/>
+      </a:minorFont>
+    </a:fontScheme>
+    <a:fmtScheme name="Office">
+      <a:fillStyleLst>
+        <a:solidFill>
+          <a:schemeClr val="phClr"/>
+        </a:solidFill>
+        <a:gradFill rotWithShape="1">
+          <a:gsLst>
+            <a:gs pos="0">
+              <a:schemeClr val="phClr">
+                <a:tint val="50000"/>
+                <a:satMod val="300000"/>
+              </a:schemeClr>
+            </a:gs>
+            <a:gs pos="35000">
+              <a:schemeClr val="phClr">
+                <a:tint val="37000"/>
+                <a:satMod val="300000"/>
+              </a:schemeClr>
+            </a:gs>
+            <a:gs pos="100000">
+              <a:schemeClr val="phClr">
+                <a:tint val="15000"/>
+                <a:satMod val="350000"/>
+              </a:schemeClr>
+            </a:gs>
+          </a:gsLst>
+          <a:lin ang="16200000" scaled="1"/>
+        </a:gradFill>
+        <a:gradFill rotWithShape="1">
+          <a:gsLst>
+            <a:gs pos="0">
+              <a:schemeClr val="phClr">
+                <a:shade val="51000"/>
+                <a:satMod val="130000"/>
+              </a:schemeClr>
+            </a:gs>
+            <a:gs pos="80000">
+              <a:schemeClr val="phClr">
+                <a:shade val="93000"/>
+                <a:satMod val="130000"/>
+              </a:schemeClr>
+            </a:gs>
+            <a:gs pos="100000">
+              <a:schemeClr val="phClr">
+                <a:shade val="94000"/>
+                <a:satMod val="135000"/>
+              </a:schemeClr>
+            </a:gs>
+          </a:gsLst>
+          <a:lin ang="16200000" scaled="0"/>
+        </a:gradFill>
+      </a:fillStyleLst>
+      <a:lnStyleLst>
+        <a:ln w="9525" cap="flat" cmpd="sng" algn="ctr">
+          <a:solidFill>
+            <a:schemeClr val="phClr">
+              <a:shade val="95000"/>
+              <a:satMod val="105000"/>
+            </a:schemeClr>
+          </a:solidFill>
+          <a:prstDash val="solid"/>
+        </a:ln>
+        <a:ln w="25400" cap="flat" cmpd="sng" algn="ctr">
+          <a:solidFill>
+            <a:schemeClr val="phClr"/>
+          </a:solidFill>
+          <a:prstDash val="solid"/>
+        </a:ln>
+        <a:ln w="38100" cap="flat" cmpd="sng" algn="ctr">
+          <a:solidFill>
+            <a:schemeClr val="phClr"/>
+          </a:solidFill>
+          <a:prstDash val="solid"/>
+        </a:ln>
+      </a:lnStyleLst>
+      <a:effectStyleLst>
+        <a:effectStyle>
+          <a:effectLst>
+            <a:outerShdw blurRad="40000" dist="20000" dir="5400000" rotWithShape="0">
+              <a:srgbClr val="000000">
+                <a:alpha val="38000"/>
+              </a:srgbClr>
+            </a:outerShdw>
+          </a:effectLst>
+        </a:effectStyle>
+        <a:effectStyle>
+          <a:effectLst>
+            <a:outerShdw blurRad="40000" dist="23000" dir="5400000" rotWithShape="0">
+              <a:srgbClr val="000000">
+                <a:alpha val="35000"/>
+              </a:srgbClr>
+            </a:outerShdw>
+          </a:effectLst>
+        </a:effectStyle>
+        <a:effectStyle>
+          <a:effectLst>
+            <a:outerShdw blurRad="40000" dist="23000" dir="5400000" rotWithShape="0">
+              <a:srgbClr val="000000">
+                <a:alpha val="35000"/>
+              </a:srgbClr>
+            </a:outerShdw>
+          </a:effectLst>
+          <a:scene3d>
+            <a:camera prst="orthographicFront">
+              <a:rot lat="0" lon="0" rev="0"/>
+            </a:camera>
+            <a:lightRig rig="threePt" dir="t">
+              <a:rot lat="0" lon="0" rev="1200000"/>
+            </a:lightRig>
+          </a:scene3d>
+          <a:sp3d>
+            <a:bevelT w="63500" h="25400"/>
+          </a:sp3d>
+        </a:effectStyle>
+      </a:effectStyleLst>
+      <a:bgFillStyleLst>
+        <a:solidFill>
+          <a:schemeClr val="phClr"/>
+        </a:solidFill>
+        <a:gradFill rotWithShape="1">
+          <a:gsLst>
+            <a:gs pos="0">
+              <a:schemeClr val="phClr">
+                <a:tint val="40000"/>
+                <a:satMod val="350000"/>
+              </a:schemeClr>
+            </a:gs>
+            <a:gs pos="40000">
+              <a:schemeClr val="phClr">
+                <a:tint val="45000"/>
+                <a:shade val="99000"/>
+                <a:satMod val="350000"/>
+              </a:schemeClr>
+            </a:gs>
+            <a:gs pos="100000">
+              <a:schemeClr val="phClr">
+                <a:shade val="20000"/>
+                <a:satMod val="255000"/>
+              </a:schemeClr>
+            </a:gs>
+          </a:gsLst>
+          <a:path path="circle">
+            <a:fillToRect l="50000" t="-80000" r="50000" b="180000"/>
+          </a:path>
+        </a:gradFill>
+        <a:gradFill rotWithShape="1">
+          <a:gsLst>
+            <a:gs pos="0">
+              <a:schemeClr val="phClr">
+                <a:tint val="80000"/>
+                <a:satMod val="300000"/>
+              </a:schemeClr>
+            </a:gs>
+            <a:gs pos="100000">
+              <a:schemeClr val="phClr">
+                <a:shade val="30000"/>
+                <a:satMod val="200000"/>
+              </a:schemeClr>
+            </a:gs>
+          </a:gsLst>
+          <a:path path="circle">
+            <a:fillToRect l="50000" t="50000" r="50000" b="50000"/>
+          </a:path>
+        </a:gradFill>
+      </a:bgFillStyleLst>
+    </a:fmtScheme>
+  </a:themeElements>
+  <a:objectDefaults>
+    <a:spDef>
+      <a:spPr bwMode="auto">
+        <a:xfrm>
+          <a:off x="0" y="0"/>
+          <a:ext cx="1" cy="1"/>
+        </a:xfrm>
+        <a:custGeom>
+          <a:avLst/>
+          <a:gdLst/>
+          <a:ahLst/>
+          <a:cxnLst/>
+          <a:rect l="0" t="0" r="0" b="0"/>
+          <a:pathLst/>
+        </a:custGeom>
+        <a:solidFill>
+          <a:schemeClr val="bg1"/>
+        </a:solidFill>
+        <a:ln w="9525" cap="flat" cmpd="sng" algn="ctr">
+          <a:solidFill>
+            <a:schemeClr val="tx1"/>
+          </a:solidFill>
+          <a:prstDash val="solid"/>
+          <a:round/>
+          <a:headEnd type="none" w="med" len="med"/>
+          <a:tailEnd type="none" w="med" len="med"/>
+        </a:ln>
+        <a:effectLst/>
+      </a:spPr>
+      <a:bodyPr vert="horz" wrap="none" lIns="0" tIns="0" rIns="0" bIns="0" numCol="1" anchor="ctr" anchorCtr="0" compatLnSpc="1">
+        <a:prstTxWarp prst="textNoShape">
+          <a:avLst/>
+        </a:prstTxWarp>
+      </a:bodyPr>
+      <a:lstStyle>
+        <a:defPPr marL="0" marR="0" indent="0" algn="ctr" defTabSz="914400" rtl="0" eaLnBrk="1" fontAlgn="base" latinLnBrk="0" hangingPunct="1">
+          <a:lnSpc>
+            <a:spcPct val="100000"/>
+          </a:lnSpc>
+          <a:spcBef>
+            <a:spcPct val="0"/>
+          </a:spcBef>
+          <a:spcAft>
+            <a:spcPct val="0"/>
+          </a:spcAft>
+          <a:buClr>
+            <a:schemeClr val="bg2"/>
+          </a:buClr>
+          <a:buSzTx/>
+          <a:buFontTx/>
+          <a:buNone/>
+          <a:tabLst/>
+          <a:defRPr kumimoji="0" lang="de-DE" sz="1600" b="0" i="0" u="none" strike="noStrike" cap="none" normalizeH="0" baseline="0" smtClean="0">
+            <a:ln>
+              <a:noFill/>
+            </a:ln>
+            <a:solidFill>
+              <a:schemeClr val="tx1"/>
+            </a:solidFill>
+            <a:effectLst/>
+            <a:latin typeface="Arial" charset="0"/>
+          </a:defRPr>
+        </a:defPPr>
+      </a:lstStyle>
+    </a:spDef>
+    <a:lnDef>
+      <a:spPr bwMode="auto">
+        <a:xfrm>
+          <a:off x="0" y="0"/>
+          <a:ext cx="1" cy="1"/>
+        </a:xfrm>
+        <a:custGeom>
+          <a:avLst/>
+          <a:gdLst/>
+          <a:ahLst/>
+          <a:cxnLst/>
+          <a:rect l="0" t="0" r="0" b="0"/>
+          <a:pathLst/>
+        </a:custGeom>
+        <a:solidFill>
+          <a:schemeClr val="bg1"/>
+        </a:solidFill>
+        <a:ln w="9525" cap="flat" cmpd="sng" algn="ctr">
+          <a:solidFill>
+            <a:schemeClr val="tx1"/>
+          </a:solidFill>
+          <a:prstDash val="solid"/>
+          <a:round/>
+          <a:headEnd type="none" w="med" len="med"/>
+          <a:tailEnd type="none" w="med" len="med"/>
+        </a:ln>
+        <a:effectLst/>
+      </a:spPr>
+      <a:bodyPr vert="horz" wrap="none" lIns="0" tIns="0" rIns="0" bIns="0" numCol="1" anchor="ctr" anchorCtr="0" compatLnSpc="1">
+        <a:prstTxWarp prst="textNoShape">
+          <a:avLst/>
+        </a:prstTxWarp>
+      </a:bodyPr>
+      <a:lstStyle>
+        <a:defPPr marL="0" marR="0" indent="0" algn="ctr" defTabSz="914400" rtl="0" eaLnBrk="1" fontAlgn="base" latinLnBrk="0" hangingPunct="1">
+          <a:lnSpc>
+            <a:spcPct val="100000"/>
+          </a:lnSpc>
+          <a:spcBef>
+            <a:spcPct val="0"/>
+          </a:spcBef>
+          <a:spcAft>
+            <a:spcPct val="0"/>
+          </a:spcAft>
+          <a:buClr>
+            <a:schemeClr val="bg2"/>
+          </a:buClr>
+          <a:buSzTx/>
+          <a:buFontTx/>
+          <a:buNone/>
+          <a:tabLst/>
+          <a:defRPr kumimoji="0" lang="de-DE" sz="1600" b="0" i="0" u="none" strike="noStrike" cap="none" normalizeH="0" baseline="0" smtClean="0">
+            <a:ln>
+              <a:noFill/>
+            </a:ln>
+            <a:solidFill>
+              <a:schemeClr val="tx1"/>
+            </a:solidFill>
+            <a:effectLst/>
+            <a:latin typeface="Arial" charset="0"/>
+          </a:defRPr>
+        </a:defPPr>
+      </a:lstStyle>
+    </a:lnDef>
+  </a:objectDefaults>
+  <a:extraClrSchemeLst>
+    <a:extraClrScheme>
+      <a:clrScheme name="© 2008 Logica Slide Master 1">
+        <a:dk1>
+          <a:srgbClr val="000000"/>
+        </a:dk1>
+        <a:lt1>
+          <a:srgbClr val="FFFFFF"/>
+        </a:lt1>
+        <a:dk2>
+          <a:srgbClr val="DDDDDD"/>
+        </a:dk2>
+        <a:lt2>
+          <a:srgbClr val="5F5F5F"/>
+        </a:lt2>
+        <a:accent1>
+          <a:srgbClr val="FFCC00"/>
+        </a:accent1>
+        <a:accent2>
+          <a:srgbClr val="8D979B"/>
+        </a:accent2>
+        <a:accent3>
+          <a:srgbClr val="FFFFFF"/>
+        </a:accent3>
+        <a:accent4>
+          <a:srgbClr val="000000"/>
+        </a:accent4>
+        <a:accent5>
+          <a:srgbClr val="FFE2AA"/>
+        </a:accent5>
+        <a:accent6>
+          <a:srgbClr val="7F888C"/>
+        </a:accent6>
+        <a:hlink>
+          <a:srgbClr val="A5AA78"/>
+        </a:hlink>
+        <a:folHlink>
+          <a:srgbClr val="CE6700"/>
+        </a:folHlink>
+      </a:clrScheme>
+      <a:clrMap bg1="lt1" tx1="dk1" bg2="lt2" tx2="dk2" accent1="accent1" accent2="accent2" accent3="accent3" accent4="accent4" accent5="accent5" accent6="accent6" hlink="hlink" folHlink="folHlink"/>
+    </a:extraClrScheme>
+  </a:extraClrSchemeLst>
+  <a:extLst>
+    <a:ext uri="{05A4C25C-085E-4340-85A3-A5531E510DB2}">
+      <thm15:themeFamily xmlns:thm15="http://schemas.microsoft.com/office/thememl/2012/main" name="Default.potx" id="{50080178-9A08-4EFD-9B63-B252A6E24CE2}" vid="{E87812AB-6A0B-4E42-B8B8-4F8BBA431F6F}"/>
+    </a:ext>
+  </a:extLst>
+</a:theme>
+</file>
+
+<file path=ppt/theme/theme3.xml><?xml version="1.0" encoding="utf-8"?>
 <a:theme xmlns:a="http://schemas.openxmlformats.org/drawingml/2006/main" name="Office Theme">
   <a:themeElements>
     <a:clrScheme name="">
@@ -31122,7 +34498,7 @@
 </a:theme>
 </file>
 
-<file path=ppt/theme/theme3.xml><?xml version="1.0" encoding="utf-8"?>
+<file path=ppt/theme/theme4.xml><?xml version="1.0" encoding="utf-8"?>
 <a:theme xmlns:a="http://schemas.openxmlformats.org/drawingml/2006/main" name="Office Theme">
   <a:themeElements>
     <a:clrScheme name="">
